--- a/devResources/Screenshots - Chris.pptx
+++ b/devResources/Screenshots - Chris.pptx
@@ -6,10 +6,15 @@
   </p:sldMasterIdLst>
   <p:sldIdLst>
     <p:sldId id="260" r:id="rId2"/>
-    <p:sldId id="259" r:id="rId3"/>
-    <p:sldId id="256" r:id="rId4"/>
-    <p:sldId id="257" r:id="rId5"/>
-    <p:sldId id="258" r:id="rId6"/>
+    <p:sldId id="263" r:id="rId3"/>
+    <p:sldId id="259" r:id="rId4"/>
+    <p:sldId id="262" r:id="rId5"/>
+    <p:sldId id="264" r:id="rId6"/>
+    <p:sldId id="265" r:id="rId7"/>
+    <p:sldId id="256" r:id="rId8"/>
+    <p:sldId id="257" r:id="rId9"/>
+    <p:sldId id="258" r:id="rId10"/>
+    <p:sldId id="261" r:id="rId11"/>
   </p:sldIdLst>
   <p:sldSz cx="12192000" cy="6858000"/>
   <p:notesSz cx="6858000" cy="9144000"/>
@@ -109,6 +114,32 @@
     </a:lvl9pPr>
   </p:defaultTextStyle>
   <p:extLst>
+    <p:ext uri="{521415D9-36F7-43E2-AB2F-B90AF26B5E84}">
+      <p14:sectionLst xmlns:p14="http://schemas.microsoft.com/office/powerpoint/2010/main">
+        <p14:section name="Default Section" id="{02E49D5E-517E-4227-9D8C-7096DD77C1B3}">
+          <p14:sldIdLst>
+            <p14:sldId id="260"/>
+            <p14:sldId id="263"/>
+          </p14:sldIdLst>
+        </p14:section>
+        <p14:section name="Heidi" id="{9E2F4547-DE3E-4CAA-BF5D-DD15E2A9B6A9}">
+          <p14:sldIdLst>
+            <p14:sldId id="259"/>
+            <p14:sldId id="262"/>
+            <p14:sldId id="264"/>
+            <p14:sldId id="265"/>
+          </p14:sldIdLst>
+        </p14:section>
+        <p14:section name="MySQL" id="{22678AA6-F2C9-4182-BAC8-856B930F78D9}">
+          <p14:sldIdLst>
+            <p14:sldId id="256"/>
+            <p14:sldId id="257"/>
+            <p14:sldId id="258"/>
+            <p14:sldId id="261"/>
+          </p14:sldIdLst>
+        </p14:section>
+      </p14:sectionLst>
+    </p:ext>
     <p:ext uri="{EFAFB233-063F-42B5-8137-9DF3F51BA10A}">
       <p15:sldGuideLst xmlns:p15="http://schemas.microsoft.com/office/powerpoint/2012/main"/>
     </p:ext>
@@ -3645,7 +3676,214 @@
 </p:sld>
 </file>
 
+<file path=ppt/slides/slide10.xml><?xml version="1.0" encoding="utf-8"?>
+<p:sld xmlns:a="http://schemas.openxmlformats.org/drawingml/2006/main" xmlns:r="http://schemas.openxmlformats.org/officeDocument/2006/relationships" xmlns:p="http://schemas.openxmlformats.org/presentationml/2006/main">
+  <p:cSld>
+    <p:spTree>
+      <p:nvGrpSpPr>
+        <p:cNvPr id="1" name=""/>
+        <p:cNvGrpSpPr/>
+        <p:nvPr/>
+      </p:nvGrpSpPr>
+      <p:grpSpPr>
+        <a:xfrm>
+          <a:off x="0" y="0"/>
+          <a:ext cx="0" cy="0"/>
+          <a:chOff x="0" y="0"/>
+          <a:chExt cx="0" cy="0"/>
+        </a:xfrm>
+      </p:grpSpPr>
+    </p:spTree>
+    <p:extLst>
+      <p:ext uri="{BB962C8B-B14F-4D97-AF65-F5344CB8AC3E}">
+        <p14:creationId xmlns:p14="http://schemas.microsoft.com/office/powerpoint/2010/main" val="3600058155"/>
+      </p:ext>
+    </p:extLst>
+  </p:cSld>
+  <p:clrMapOvr>
+    <a:masterClrMapping/>
+  </p:clrMapOvr>
+</p:sld>
+</file>
+
 <file path=ppt/slides/slide2.xml><?xml version="1.0" encoding="utf-8"?>
+<p:sld xmlns:a="http://schemas.openxmlformats.org/drawingml/2006/main" xmlns:r="http://schemas.openxmlformats.org/officeDocument/2006/relationships" xmlns:p="http://schemas.openxmlformats.org/presentationml/2006/main">
+  <p:cSld>
+    <p:spTree>
+      <p:nvGrpSpPr>
+        <p:cNvPr id="1" name=""/>
+        <p:cNvGrpSpPr/>
+        <p:nvPr/>
+      </p:nvGrpSpPr>
+      <p:grpSpPr>
+        <a:xfrm>
+          <a:off x="0" y="0"/>
+          <a:ext cx="0" cy="0"/>
+          <a:chOff x="0" y="0"/>
+          <a:chExt cx="0" cy="0"/>
+        </a:xfrm>
+      </p:grpSpPr>
+      <p:sp>
+        <p:nvSpPr>
+          <p:cNvPr id="2" name="Title 1">
+            <a:extLst>
+              <a:ext uri="{FF2B5EF4-FFF2-40B4-BE49-F238E27FC236}">
+                <a16:creationId xmlns:a16="http://schemas.microsoft.com/office/drawing/2014/main" id="{1ED3A086-E5E3-472D-95D2-7A558F698BA2}"/>
+              </a:ext>
+            </a:extLst>
+          </p:cNvPr>
+          <p:cNvSpPr>
+            <a:spLocks noGrp="1"/>
+          </p:cNvSpPr>
+          <p:nvPr>
+            <p:ph type="title"/>
+          </p:nvPr>
+        </p:nvSpPr>
+        <p:spPr/>
+        <p:txBody>
+          <a:bodyPr/>
+          <a:lstStyle/>
+          <a:p>
+            <a:r>
+              <a:rPr lang="en-GB" dirty="0"/>
+              <a:t>Screenshot tips</a:t>
+            </a:r>
+          </a:p>
+        </p:txBody>
+      </p:sp>
+      <p:sp>
+        <p:nvSpPr>
+          <p:cNvPr id="3" name="Content Placeholder 2">
+            <a:extLst>
+              <a:ext uri="{FF2B5EF4-FFF2-40B4-BE49-F238E27FC236}">
+                <a16:creationId xmlns:a16="http://schemas.microsoft.com/office/drawing/2014/main" id="{D4BD2CBA-D936-4B38-99FC-19C550D2FD89}"/>
+              </a:ext>
+            </a:extLst>
+          </p:cNvPr>
+          <p:cNvSpPr>
+            <a:spLocks noGrp="1"/>
+          </p:cNvSpPr>
+          <p:nvPr>
+            <p:ph idx="1"/>
+          </p:nvPr>
+        </p:nvSpPr>
+        <p:spPr/>
+        <p:txBody>
+          <a:bodyPr/>
+          <a:lstStyle/>
+          <a:p>
+            <a:pPr marL="0" indent="0">
+              <a:buNone/>
+            </a:pPr>
+            <a:r>
+              <a:rPr lang="en-GB" dirty="0"/>
+              <a:t>If using windows, the ‘snipping tool’ has ‘window mode’ to take a snip of a specific software window</a:t>
+            </a:r>
+          </a:p>
+          <a:p>
+            <a:pPr marL="0" indent="0">
+              <a:buNone/>
+            </a:pPr>
+            <a:endParaRPr lang="en-GB" dirty="0"/>
+          </a:p>
+          <a:p>
+            <a:pPr marL="0" indent="0">
+              <a:buNone/>
+            </a:pPr>
+            <a:endParaRPr lang="en-GB" dirty="0"/>
+          </a:p>
+          <a:p>
+            <a:pPr marL="0" indent="0">
+              <a:buNone/>
+            </a:pPr>
+            <a:endParaRPr lang="en-GB" dirty="0"/>
+          </a:p>
+          <a:p>
+            <a:pPr marL="0" indent="0">
+              <a:buNone/>
+            </a:pPr>
+            <a:endParaRPr lang="en-GB" dirty="0"/>
+          </a:p>
+          <a:p>
+            <a:pPr marL="0" indent="0">
+              <a:buNone/>
+            </a:pPr>
+            <a:r>
+              <a:rPr lang="en-GB" dirty="0"/>
+              <a:t>Simply open snipping tool, then the window you want (including any menu nav), click </a:t>
+            </a:r>
+            <a:r>
+              <a:rPr lang="en-GB" dirty="0" err="1"/>
+              <a:t>ctrl+PrtScn</a:t>
+            </a:r>
+            <a:r>
+              <a:rPr lang="en-GB" dirty="0"/>
+              <a:t> and select the window</a:t>
+            </a:r>
+          </a:p>
+        </p:txBody>
+      </p:sp>
+      <p:pic>
+        <p:nvPicPr>
+          <p:cNvPr id="1026" name="Picture 2" descr="Snipping Tool mode options">
+            <a:extLst>
+              <a:ext uri="{FF2B5EF4-FFF2-40B4-BE49-F238E27FC236}">
+                <a16:creationId xmlns:a16="http://schemas.microsoft.com/office/drawing/2014/main" id="{31DC3F89-7146-4E77-AFC5-5868D8000304}"/>
+              </a:ext>
+            </a:extLst>
+          </p:cNvPr>
+          <p:cNvPicPr>
+            <a:picLocks noChangeAspect="1" noChangeArrowheads="1"/>
+          </p:cNvPicPr>
+          <p:nvPr/>
+        </p:nvPicPr>
+        <p:blipFill>
+          <a:blip r:embed="rId2">
+            <a:extLst>
+              <a:ext uri="{28A0092B-C50C-407E-A947-70E740481C1C}">
+                <a14:useLocalDpi xmlns:a14="http://schemas.microsoft.com/office/drawing/2010/main" val="0"/>
+              </a:ext>
+            </a:extLst>
+          </a:blip>
+          <a:srcRect/>
+          <a:stretch>
+            <a:fillRect/>
+          </a:stretch>
+        </p:blipFill>
+        <p:spPr bwMode="auto">
+          <a:xfrm>
+            <a:off x="5532189" y="2380717"/>
+            <a:ext cx="3720867" cy="2096565"/>
+          </a:xfrm>
+          <a:prstGeom prst="rect">
+            <a:avLst/>
+          </a:prstGeom>
+          <a:noFill/>
+          <a:extLst>
+            <a:ext uri="{909E8E84-426E-40DD-AFC4-6F175D3DCCD1}">
+              <a14:hiddenFill xmlns:a14="http://schemas.microsoft.com/office/drawing/2010/main">
+                <a:solidFill>
+                  <a:srgbClr val="FFFFFF"/>
+                </a:solidFill>
+              </a14:hiddenFill>
+            </a:ext>
+          </a:extLst>
+        </p:spPr>
+      </p:pic>
+    </p:spTree>
+    <p:extLst>
+      <p:ext uri="{BB962C8B-B14F-4D97-AF65-F5344CB8AC3E}">
+        <p14:creationId xmlns:p14="http://schemas.microsoft.com/office/powerpoint/2010/main" val="2197854278"/>
+      </p:ext>
+    </p:extLst>
+  </p:cSld>
+  <p:clrMapOvr>
+    <a:masterClrMapping/>
+  </p:clrMapOvr>
+</p:sld>
+</file>
+
+<file path=ppt/slides/slide3.xml><?xml version="1.0" encoding="utf-8"?>
 <p:sld xmlns:a="http://schemas.openxmlformats.org/drawingml/2006/main" xmlns:r="http://schemas.openxmlformats.org/officeDocument/2006/relationships" xmlns:p="http://schemas.openxmlformats.org/presentationml/2006/main">
   <p:cSld>
     <p:spTree>
@@ -3922,7 +4160,1402 @@
 </p:sld>
 </file>
 
-<file path=ppt/slides/slide3.xml><?xml version="1.0" encoding="utf-8"?>
+<file path=ppt/slides/slide4.xml><?xml version="1.0" encoding="utf-8"?>
+<p:sld xmlns:a="http://schemas.openxmlformats.org/drawingml/2006/main" xmlns:r="http://schemas.openxmlformats.org/officeDocument/2006/relationships" xmlns:p="http://schemas.openxmlformats.org/presentationml/2006/main">
+  <p:cSld>
+    <p:spTree>
+      <p:nvGrpSpPr>
+        <p:cNvPr id="1" name=""/>
+        <p:cNvGrpSpPr/>
+        <p:nvPr/>
+      </p:nvGrpSpPr>
+      <p:grpSpPr>
+        <a:xfrm>
+          <a:off x="0" y="0"/>
+          <a:ext cx="0" cy="0"/>
+          <a:chOff x="0" y="0"/>
+          <a:chExt cx="0" cy="0"/>
+        </a:xfrm>
+      </p:grpSpPr>
+      <p:pic>
+        <p:nvPicPr>
+          <p:cNvPr id="5" name="Picture 4">
+            <a:extLst>
+              <a:ext uri="{FF2B5EF4-FFF2-40B4-BE49-F238E27FC236}">
+                <a16:creationId xmlns:a16="http://schemas.microsoft.com/office/drawing/2014/main" id="{AA4CDFA1-8A87-4D12-BC83-DCCEF88D1A8A}"/>
+              </a:ext>
+            </a:extLst>
+          </p:cNvPr>
+          <p:cNvPicPr>
+            <a:picLocks noChangeAspect="1"/>
+          </p:cNvPicPr>
+          <p:nvPr/>
+        </p:nvPicPr>
+        <p:blipFill>
+          <a:blip r:embed="rId2"/>
+          <a:stretch>
+            <a:fillRect/>
+          </a:stretch>
+        </p:blipFill>
+        <p:spPr>
+          <a:xfrm>
+            <a:off x="404594" y="529861"/>
+            <a:ext cx="5829300" cy="5076825"/>
+          </a:xfrm>
+          <a:prstGeom prst="rect">
+            <a:avLst/>
+          </a:prstGeom>
+        </p:spPr>
+      </p:pic>
+      <p:sp>
+        <p:nvSpPr>
+          <p:cNvPr id="6" name="TextBox 5">
+            <a:extLst>
+              <a:ext uri="{FF2B5EF4-FFF2-40B4-BE49-F238E27FC236}">
+                <a16:creationId xmlns:a16="http://schemas.microsoft.com/office/drawing/2014/main" id="{2AAFCC02-0B5C-4863-AF96-E77AA3ECDC1B}"/>
+              </a:ext>
+            </a:extLst>
+          </p:cNvPr>
+          <p:cNvSpPr txBox="1"/>
+          <p:nvPr/>
+        </p:nvSpPr>
+        <p:spPr>
+          <a:xfrm>
+            <a:off x="1955273" y="561042"/>
+            <a:ext cx="1550339" cy="903700"/>
+          </a:xfrm>
+          <a:prstGeom prst="rect">
+            <a:avLst/>
+          </a:prstGeom>
+          <a:solidFill>
+            <a:schemeClr val="tx1">
+              <a:alpha val="77000"/>
+            </a:schemeClr>
+          </a:solidFill>
+        </p:spPr>
+        <p:txBody>
+          <a:bodyPr wrap="square" lIns="36000" tIns="36000" rIns="36000" bIns="36000" rtlCol="0">
+            <a:spAutoFit/>
+          </a:bodyPr>
+          <a:lstStyle/>
+          <a:p>
+            <a:r>
+              <a:rPr lang="en-GB" dirty="0">
+                <a:solidFill>
+                  <a:schemeClr val="bg1"/>
+                </a:solidFill>
+              </a:rPr>
+              <a:t>Right-click on the main server to see options</a:t>
+            </a:r>
+            <a:endParaRPr lang="en-GB" dirty="0">
+              <a:solidFill>
+                <a:schemeClr val="accent4">
+                  <a:lumMod val="20000"/>
+                  <a:lumOff val="80000"/>
+                </a:schemeClr>
+              </a:solidFill>
+            </a:endParaRPr>
+          </a:p>
+        </p:txBody>
+      </p:sp>
+      <p:cxnSp>
+        <p:nvCxnSpPr>
+          <p:cNvPr id="7" name="Straight Arrow Connector 6">
+            <a:extLst>
+              <a:ext uri="{FF2B5EF4-FFF2-40B4-BE49-F238E27FC236}">
+                <a16:creationId xmlns:a16="http://schemas.microsoft.com/office/drawing/2014/main" id="{A55A76BF-7D9C-4D73-ACAC-FC72E456DBA8}"/>
+              </a:ext>
+            </a:extLst>
+          </p:cNvPr>
+          <p:cNvCxnSpPr>
+            <a:cxnSpLocks/>
+          </p:cNvCxnSpPr>
+          <p:nvPr/>
+        </p:nvCxnSpPr>
+        <p:spPr>
+          <a:xfrm flipH="1">
+            <a:off x="1354346" y="1098958"/>
+            <a:ext cx="600927" cy="306103"/>
+          </a:xfrm>
+          <a:prstGeom prst="straightConnector1">
+            <a:avLst/>
+          </a:prstGeom>
+          <a:ln w="38100">
+            <a:solidFill>
+              <a:srgbClr val="C00000"/>
+            </a:solidFill>
+            <a:tailEnd type="triangle"/>
+          </a:ln>
+        </p:spPr>
+        <p:style>
+          <a:lnRef idx="1">
+            <a:schemeClr val="accent1"/>
+          </a:lnRef>
+          <a:fillRef idx="0">
+            <a:schemeClr val="accent1"/>
+          </a:fillRef>
+          <a:effectRef idx="0">
+            <a:schemeClr val="accent1"/>
+          </a:effectRef>
+          <a:fontRef idx="minor">
+            <a:schemeClr val="tx1"/>
+          </a:fontRef>
+        </p:style>
+      </p:cxnSp>
+      <p:sp>
+        <p:nvSpPr>
+          <p:cNvPr id="8" name="Rectangle: Rounded Corners 7">
+            <a:extLst>
+              <a:ext uri="{FF2B5EF4-FFF2-40B4-BE49-F238E27FC236}">
+                <a16:creationId xmlns:a16="http://schemas.microsoft.com/office/drawing/2014/main" id="{4F6F1ED6-B0B6-4845-9B03-EA0C760DC652}"/>
+              </a:ext>
+            </a:extLst>
+          </p:cNvPr>
+          <p:cNvSpPr/>
+          <p:nvPr/>
+        </p:nvSpPr>
+        <p:spPr>
+          <a:xfrm>
+            <a:off x="518489" y="1464742"/>
+            <a:ext cx="1322889" cy="399706"/>
+          </a:xfrm>
+          <a:prstGeom prst="roundRect">
+            <a:avLst/>
+          </a:prstGeom>
+          <a:noFill/>
+          <a:ln w="57150">
+            <a:solidFill>
+              <a:srgbClr val="C00000"/>
+            </a:solidFill>
+          </a:ln>
+        </p:spPr>
+        <p:style>
+          <a:lnRef idx="2">
+            <a:schemeClr val="accent1">
+              <a:shade val="50000"/>
+            </a:schemeClr>
+          </a:lnRef>
+          <a:fillRef idx="1">
+            <a:schemeClr val="accent1"/>
+          </a:fillRef>
+          <a:effectRef idx="0">
+            <a:schemeClr val="accent1"/>
+          </a:effectRef>
+          <a:fontRef idx="minor">
+            <a:schemeClr val="lt1"/>
+          </a:fontRef>
+        </p:style>
+        <p:txBody>
+          <a:bodyPr rtlCol="0" anchor="ctr"/>
+          <a:lstStyle/>
+          <a:p>
+            <a:pPr algn="ctr"/>
+            <a:endParaRPr lang="en-GB" dirty="0"/>
+          </a:p>
+        </p:txBody>
+      </p:sp>
+      <p:sp>
+        <p:nvSpPr>
+          <p:cNvPr id="10" name="TextBox 9">
+            <a:extLst>
+              <a:ext uri="{FF2B5EF4-FFF2-40B4-BE49-F238E27FC236}">
+                <a16:creationId xmlns:a16="http://schemas.microsoft.com/office/drawing/2014/main" id="{E5DEED41-6C6B-4578-BE78-6F5C709931E9}"/>
+              </a:ext>
+            </a:extLst>
+          </p:cNvPr>
+          <p:cNvSpPr txBox="1"/>
+          <p:nvPr/>
+        </p:nvSpPr>
+        <p:spPr>
+          <a:xfrm>
+            <a:off x="4545661" y="3513967"/>
+            <a:ext cx="1550339" cy="626701"/>
+          </a:xfrm>
+          <a:prstGeom prst="rect">
+            <a:avLst/>
+          </a:prstGeom>
+          <a:solidFill>
+            <a:schemeClr val="tx1">
+              <a:alpha val="77000"/>
+            </a:schemeClr>
+          </a:solidFill>
+        </p:spPr>
+        <p:txBody>
+          <a:bodyPr wrap="square" lIns="36000" tIns="36000" rIns="36000" bIns="36000" rtlCol="0">
+            <a:spAutoFit/>
+          </a:bodyPr>
+          <a:lstStyle/>
+          <a:p>
+            <a:r>
+              <a:rPr lang="en-GB" dirty="0">
+                <a:solidFill>
+                  <a:schemeClr val="bg1"/>
+                </a:solidFill>
+              </a:rPr>
+              <a:t>Create a new database</a:t>
+            </a:r>
+            <a:endParaRPr lang="en-GB" dirty="0">
+              <a:solidFill>
+                <a:schemeClr val="accent4">
+                  <a:lumMod val="20000"/>
+                  <a:lumOff val="80000"/>
+                </a:schemeClr>
+              </a:solidFill>
+            </a:endParaRPr>
+          </a:p>
+        </p:txBody>
+      </p:sp>
+      <p:sp>
+        <p:nvSpPr>
+          <p:cNvPr id="11" name="Rectangle: Rounded Corners 10">
+            <a:extLst>
+              <a:ext uri="{FF2B5EF4-FFF2-40B4-BE49-F238E27FC236}">
+                <a16:creationId xmlns:a16="http://schemas.microsoft.com/office/drawing/2014/main" id="{0DF36BD0-01D9-42AF-BFD4-5AAF8C57F6F2}"/>
+              </a:ext>
+            </a:extLst>
+          </p:cNvPr>
+          <p:cNvSpPr/>
+          <p:nvPr/>
+        </p:nvSpPr>
+        <p:spPr>
+          <a:xfrm>
+            <a:off x="3959603" y="2466363"/>
+            <a:ext cx="813733" cy="318782"/>
+          </a:xfrm>
+          <a:prstGeom prst="roundRect">
+            <a:avLst/>
+          </a:prstGeom>
+          <a:noFill/>
+          <a:ln w="57150">
+            <a:solidFill>
+              <a:srgbClr val="C00000"/>
+            </a:solidFill>
+          </a:ln>
+        </p:spPr>
+        <p:style>
+          <a:lnRef idx="2">
+            <a:schemeClr val="accent1">
+              <a:shade val="50000"/>
+            </a:schemeClr>
+          </a:lnRef>
+          <a:fillRef idx="1">
+            <a:schemeClr val="accent1"/>
+          </a:fillRef>
+          <a:effectRef idx="0">
+            <a:schemeClr val="accent1"/>
+          </a:effectRef>
+          <a:fontRef idx="minor">
+            <a:schemeClr val="lt1"/>
+          </a:fontRef>
+        </p:style>
+        <p:txBody>
+          <a:bodyPr rtlCol="0" anchor="ctr"/>
+          <a:lstStyle/>
+          <a:p>
+            <a:pPr algn="ctr"/>
+            <a:endParaRPr lang="en-GB" dirty="0"/>
+          </a:p>
+        </p:txBody>
+      </p:sp>
+      <p:cxnSp>
+        <p:nvCxnSpPr>
+          <p:cNvPr id="12" name="Straight Arrow Connector 11">
+            <a:extLst>
+              <a:ext uri="{FF2B5EF4-FFF2-40B4-BE49-F238E27FC236}">
+                <a16:creationId xmlns:a16="http://schemas.microsoft.com/office/drawing/2014/main" id="{29F75402-AD53-409E-BFBA-31FF0A91A02F}"/>
+              </a:ext>
+            </a:extLst>
+          </p:cNvPr>
+          <p:cNvCxnSpPr>
+            <a:cxnSpLocks/>
+          </p:cNvCxnSpPr>
+          <p:nvPr/>
+        </p:nvCxnSpPr>
+        <p:spPr>
+          <a:xfrm flipH="1" flipV="1">
+            <a:off x="4545662" y="2872201"/>
+            <a:ext cx="647123" cy="641766"/>
+          </a:xfrm>
+          <a:prstGeom prst="straightConnector1">
+            <a:avLst/>
+          </a:prstGeom>
+          <a:ln w="38100">
+            <a:solidFill>
+              <a:srgbClr val="C00000"/>
+            </a:solidFill>
+            <a:tailEnd type="triangle"/>
+          </a:ln>
+        </p:spPr>
+        <p:style>
+          <a:lnRef idx="1">
+            <a:schemeClr val="accent1"/>
+          </a:lnRef>
+          <a:fillRef idx="0">
+            <a:schemeClr val="accent1"/>
+          </a:fillRef>
+          <a:effectRef idx="0">
+            <a:schemeClr val="accent1"/>
+          </a:effectRef>
+          <a:fontRef idx="minor">
+            <a:schemeClr val="tx1"/>
+          </a:fontRef>
+        </p:style>
+      </p:cxnSp>
+      <p:pic>
+        <p:nvPicPr>
+          <p:cNvPr id="16" name="Picture 15">
+            <a:extLst>
+              <a:ext uri="{FF2B5EF4-FFF2-40B4-BE49-F238E27FC236}">
+                <a16:creationId xmlns:a16="http://schemas.microsoft.com/office/drawing/2014/main" id="{7D9D235C-7557-4ACE-91A2-E5967F9D2657}"/>
+              </a:ext>
+            </a:extLst>
+          </p:cNvPr>
+          <p:cNvPicPr>
+            <a:picLocks noChangeAspect="1"/>
+          </p:cNvPicPr>
+          <p:nvPr/>
+        </p:nvPicPr>
+        <p:blipFill>
+          <a:blip r:embed="rId3"/>
+          <a:stretch>
+            <a:fillRect/>
+          </a:stretch>
+        </p:blipFill>
+        <p:spPr>
+          <a:xfrm>
+            <a:off x="6834821" y="738231"/>
+            <a:ext cx="3743369" cy="3266158"/>
+          </a:xfrm>
+          <a:prstGeom prst="rect">
+            <a:avLst/>
+          </a:prstGeom>
+        </p:spPr>
+      </p:pic>
+    </p:spTree>
+    <p:extLst>
+      <p:ext uri="{BB962C8B-B14F-4D97-AF65-F5344CB8AC3E}">
+        <p14:creationId xmlns:p14="http://schemas.microsoft.com/office/powerpoint/2010/main" val="3302818905"/>
+      </p:ext>
+    </p:extLst>
+  </p:cSld>
+  <p:clrMapOvr>
+    <a:masterClrMapping/>
+  </p:clrMapOvr>
+</p:sld>
+</file>
+
+<file path=ppt/slides/slide5.xml><?xml version="1.0" encoding="utf-8"?>
+<p:sld xmlns:a="http://schemas.openxmlformats.org/drawingml/2006/main" xmlns:r="http://schemas.openxmlformats.org/officeDocument/2006/relationships" xmlns:p="http://schemas.openxmlformats.org/presentationml/2006/main">
+  <p:cSld>
+    <p:spTree>
+      <p:nvGrpSpPr>
+        <p:cNvPr id="1" name=""/>
+        <p:cNvGrpSpPr/>
+        <p:nvPr/>
+      </p:nvGrpSpPr>
+      <p:grpSpPr>
+        <a:xfrm>
+          <a:off x="0" y="0"/>
+          <a:ext cx="0" cy="0"/>
+          <a:chOff x="0" y="0"/>
+          <a:chExt cx="0" cy="0"/>
+        </a:xfrm>
+      </p:grpSpPr>
+      <p:pic>
+        <p:nvPicPr>
+          <p:cNvPr id="2" name="Picture 1">
+            <a:extLst>
+              <a:ext uri="{FF2B5EF4-FFF2-40B4-BE49-F238E27FC236}">
+                <a16:creationId xmlns:a16="http://schemas.microsoft.com/office/drawing/2014/main" id="{F668303D-D912-44AB-8DA6-678FCE77B178}"/>
+              </a:ext>
+            </a:extLst>
+          </p:cNvPr>
+          <p:cNvPicPr>
+            <a:picLocks noChangeAspect="1"/>
+          </p:cNvPicPr>
+          <p:nvPr/>
+        </p:nvPicPr>
+        <p:blipFill>
+          <a:blip r:embed="rId2"/>
+          <a:stretch>
+            <a:fillRect/>
+          </a:stretch>
+        </p:blipFill>
+        <p:spPr>
+          <a:xfrm>
+            <a:off x="345871" y="320136"/>
+            <a:ext cx="5829300" cy="5076825"/>
+          </a:xfrm>
+          <a:prstGeom prst="rect">
+            <a:avLst/>
+          </a:prstGeom>
+        </p:spPr>
+      </p:pic>
+      <p:sp>
+        <p:nvSpPr>
+          <p:cNvPr id="3" name="Rectangle: Rounded Corners 2">
+            <a:extLst>
+              <a:ext uri="{FF2B5EF4-FFF2-40B4-BE49-F238E27FC236}">
+                <a16:creationId xmlns:a16="http://schemas.microsoft.com/office/drawing/2014/main" id="{63914FC6-43B8-4822-92B3-8ED2EEC4399C}"/>
+              </a:ext>
+            </a:extLst>
+          </p:cNvPr>
+          <p:cNvSpPr/>
+          <p:nvPr/>
+        </p:nvSpPr>
+        <p:spPr>
+          <a:xfrm>
+            <a:off x="2617365" y="2290194"/>
+            <a:ext cx="2105637" cy="318782"/>
+          </a:xfrm>
+          <a:prstGeom prst="roundRect">
+            <a:avLst/>
+          </a:prstGeom>
+          <a:noFill/>
+          <a:ln w="57150">
+            <a:solidFill>
+              <a:srgbClr val="C00000"/>
+            </a:solidFill>
+          </a:ln>
+        </p:spPr>
+        <p:style>
+          <a:lnRef idx="2">
+            <a:schemeClr val="accent1">
+              <a:shade val="50000"/>
+            </a:schemeClr>
+          </a:lnRef>
+          <a:fillRef idx="1">
+            <a:schemeClr val="accent1"/>
+          </a:fillRef>
+          <a:effectRef idx="0">
+            <a:schemeClr val="accent1"/>
+          </a:effectRef>
+          <a:fontRef idx="minor">
+            <a:schemeClr val="lt1"/>
+          </a:fontRef>
+        </p:style>
+        <p:txBody>
+          <a:bodyPr rtlCol="0" anchor="ctr"/>
+          <a:lstStyle/>
+          <a:p>
+            <a:pPr algn="ctr"/>
+            <a:endParaRPr lang="en-GB" dirty="0"/>
+          </a:p>
+        </p:txBody>
+      </p:sp>
+      <p:sp>
+        <p:nvSpPr>
+          <p:cNvPr id="4" name="TextBox 3">
+            <a:extLst>
+              <a:ext uri="{FF2B5EF4-FFF2-40B4-BE49-F238E27FC236}">
+                <a16:creationId xmlns:a16="http://schemas.microsoft.com/office/drawing/2014/main" id="{662DE231-6BEB-468E-A59E-F1BED5E04EC0}"/>
+              </a:ext>
+            </a:extLst>
+          </p:cNvPr>
+          <p:cNvSpPr txBox="1"/>
+          <p:nvPr/>
+        </p:nvSpPr>
+        <p:spPr>
+          <a:xfrm>
+            <a:off x="3807429" y="3329409"/>
+            <a:ext cx="1550339" cy="903700"/>
+          </a:xfrm>
+          <a:prstGeom prst="rect">
+            <a:avLst/>
+          </a:prstGeom>
+          <a:solidFill>
+            <a:schemeClr val="tx1">
+              <a:alpha val="77000"/>
+            </a:schemeClr>
+          </a:solidFill>
+        </p:spPr>
+        <p:txBody>
+          <a:bodyPr wrap="square" lIns="36000" tIns="36000" rIns="36000" bIns="36000" rtlCol="0">
+            <a:spAutoFit/>
+          </a:bodyPr>
+          <a:lstStyle/>
+          <a:p>
+            <a:r>
+              <a:rPr lang="en-GB" dirty="0">
+                <a:solidFill>
+                  <a:schemeClr val="bg1"/>
+                </a:solidFill>
+              </a:rPr>
+              <a:t>Make sure you set the correct format here</a:t>
+            </a:r>
+            <a:endParaRPr lang="en-GB" dirty="0">
+              <a:solidFill>
+                <a:schemeClr val="accent4">
+                  <a:lumMod val="20000"/>
+                  <a:lumOff val="80000"/>
+                </a:schemeClr>
+              </a:solidFill>
+            </a:endParaRPr>
+          </a:p>
+        </p:txBody>
+      </p:sp>
+      <p:cxnSp>
+        <p:nvCxnSpPr>
+          <p:cNvPr id="5" name="Straight Arrow Connector 4">
+            <a:extLst>
+              <a:ext uri="{FF2B5EF4-FFF2-40B4-BE49-F238E27FC236}">
+                <a16:creationId xmlns:a16="http://schemas.microsoft.com/office/drawing/2014/main" id="{3866AAB0-AC6A-4CAA-857B-EFFC87143B95}"/>
+              </a:ext>
+            </a:extLst>
+          </p:cNvPr>
+          <p:cNvCxnSpPr>
+            <a:cxnSpLocks/>
+          </p:cNvCxnSpPr>
+          <p:nvPr/>
+        </p:nvCxnSpPr>
+        <p:spPr>
+          <a:xfrm flipH="1" flipV="1">
+            <a:off x="3807430" y="2687643"/>
+            <a:ext cx="647123" cy="641766"/>
+          </a:xfrm>
+          <a:prstGeom prst="straightConnector1">
+            <a:avLst/>
+          </a:prstGeom>
+          <a:ln w="38100">
+            <a:solidFill>
+              <a:srgbClr val="C00000"/>
+            </a:solidFill>
+            <a:tailEnd type="triangle"/>
+          </a:ln>
+        </p:spPr>
+        <p:style>
+          <a:lnRef idx="1">
+            <a:schemeClr val="accent1"/>
+          </a:lnRef>
+          <a:fillRef idx="0">
+            <a:schemeClr val="accent1"/>
+          </a:fillRef>
+          <a:effectRef idx="0">
+            <a:schemeClr val="accent1"/>
+          </a:effectRef>
+          <a:fontRef idx="minor">
+            <a:schemeClr val="tx1"/>
+          </a:fontRef>
+        </p:style>
+      </p:cxnSp>
+      <p:grpSp>
+        <p:nvGrpSpPr>
+          <p:cNvPr id="12" name="Group 11">
+            <a:extLst>
+              <a:ext uri="{FF2B5EF4-FFF2-40B4-BE49-F238E27FC236}">
+                <a16:creationId xmlns:a16="http://schemas.microsoft.com/office/drawing/2014/main" id="{2119DD72-94CD-4C7B-A52F-ACCA779E9AFF}"/>
+              </a:ext>
+            </a:extLst>
+          </p:cNvPr>
+          <p:cNvGrpSpPr/>
+          <p:nvPr/>
+        </p:nvGrpSpPr>
+        <p:grpSpPr>
+          <a:xfrm>
+            <a:off x="345871" y="5717096"/>
+            <a:ext cx="5829300" cy="820768"/>
+            <a:chOff x="345871" y="5717096"/>
+            <a:chExt cx="5829300" cy="820768"/>
+          </a:xfrm>
+        </p:grpSpPr>
+        <p:pic>
+          <p:nvPicPr>
+            <p:cNvPr id="7" name="Picture 6">
+              <a:extLst>
+                <a:ext uri="{FF2B5EF4-FFF2-40B4-BE49-F238E27FC236}">
+                  <a16:creationId xmlns:a16="http://schemas.microsoft.com/office/drawing/2014/main" id="{ECF29614-CD51-48DF-BF0E-9003CE26F8C2}"/>
+                </a:ext>
+              </a:extLst>
+            </p:cNvPr>
+            <p:cNvPicPr>
+              <a:picLocks noChangeAspect="1"/>
+            </p:cNvPicPr>
+            <p:nvPr/>
+          </p:nvPicPr>
+          <p:blipFill rotWithShape="1">
+            <a:blip r:embed="rId2"/>
+            <a:srcRect b="83833"/>
+            <a:stretch/>
+          </p:blipFill>
+          <p:spPr>
+            <a:xfrm>
+              <a:off x="345871" y="5717096"/>
+              <a:ext cx="5829300" cy="820768"/>
+            </a:xfrm>
+            <a:prstGeom prst="rect">
+              <a:avLst/>
+            </a:prstGeom>
+          </p:spPr>
+        </p:pic>
+        <p:sp>
+          <p:nvSpPr>
+            <p:cNvPr id="8" name="Rectangle: Rounded Corners 7">
+              <a:extLst>
+                <a:ext uri="{FF2B5EF4-FFF2-40B4-BE49-F238E27FC236}">
+                  <a16:creationId xmlns:a16="http://schemas.microsoft.com/office/drawing/2014/main" id="{31776D2A-8D2E-4666-B1A9-F9F64F39BC2D}"/>
+                </a:ext>
+              </a:extLst>
+            </p:cNvPr>
+            <p:cNvSpPr/>
+            <p:nvPr/>
+          </p:nvSpPr>
+          <p:spPr>
+            <a:xfrm>
+              <a:off x="2505218" y="6207298"/>
+              <a:ext cx="324962" cy="318782"/>
+            </a:xfrm>
+            <a:prstGeom prst="roundRect">
+              <a:avLst/>
+            </a:prstGeom>
+            <a:noFill/>
+            <a:ln w="57150">
+              <a:solidFill>
+                <a:srgbClr val="C00000"/>
+              </a:solidFill>
+            </a:ln>
+          </p:spPr>
+          <p:style>
+            <a:lnRef idx="2">
+              <a:schemeClr val="accent1">
+                <a:shade val="50000"/>
+              </a:schemeClr>
+            </a:lnRef>
+            <a:fillRef idx="1">
+              <a:schemeClr val="accent1"/>
+            </a:fillRef>
+            <a:effectRef idx="0">
+              <a:schemeClr val="accent1"/>
+            </a:effectRef>
+            <a:fontRef idx="minor">
+              <a:schemeClr val="lt1"/>
+            </a:fontRef>
+          </p:style>
+          <p:txBody>
+            <a:bodyPr rtlCol="0" anchor="ctr"/>
+            <a:lstStyle/>
+            <a:p>
+              <a:pPr algn="ctr"/>
+              <a:endParaRPr lang="en-GB" dirty="0"/>
+            </a:p>
+          </p:txBody>
+        </p:sp>
+      </p:grpSp>
+      <p:grpSp>
+        <p:nvGrpSpPr>
+          <p:cNvPr id="21" name="Group 20">
+            <a:extLst>
+              <a:ext uri="{FF2B5EF4-FFF2-40B4-BE49-F238E27FC236}">
+                <a16:creationId xmlns:a16="http://schemas.microsoft.com/office/drawing/2014/main" id="{7E746D87-FD5D-48D3-972A-F23906FF0E0A}"/>
+              </a:ext>
+            </a:extLst>
+          </p:cNvPr>
+          <p:cNvGrpSpPr/>
+          <p:nvPr/>
+        </p:nvGrpSpPr>
+        <p:grpSpPr>
+          <a:xfrm>
+            <a:off x="6504751" y="272968"/>
+            <a:ext cx="4629150" cy="3743325"/>
+            <a:chOff x="6504751" y="815980"/>
+            <a:chExt cx="4629150" cy="3743325"/>
+          </a:xfrm>
+        </p:grpSpPr>
+        <p:pic>
+          <p:nvPicPr>
+            <p:cNvPr id="15" name="Picture 14">
+              <a:extLst>
+                <a:ext uri="{FF2B5EF4-FFF2-40B4-BE49-F238E27FC236}">
+                  <a16:creationId xmlns:a16="http://schemas.microsoft.com/office/drawing/2014/main" id="{9337DDF7-4EDC-450B-BEAC-A60574456D9D}"/>
+                </a:ext>
+              </a:extLst>
+            </p:cNvPr>
+            <p:cNvPicPr>
+              <a:picLocks noChangeAspect="1"/>
+            </p:cNvPicPr>
+            <p:nvPr/>
+          </p:nvPicPr>
+          <p:blipFill>
+            <a:blip r:embed="rId3"/>
+            <a:stretch>
+              <a:fillRect/>
+            </a:stretch>
+          </p:blipFill>
+          <p:spPr>
+            <a:xfrm>
+              <a:off x="6504751" y="815980"/>
+              <a:ext cx="4629150" cy="3743325"/>
+            </a:xfrm>
+            <a:prstGeom prst="rect">
+              <a:avLst/>
+            </a:prstGeom>
+          </p:spPr>
+        </p:pic>
+        <p:sp>
+          <p:nvSpPr>
+            <p:cNvPr id="16" name="Rectangle: Rounded Corners 15">
+              <a:extLst>
+                <a:ext uri="{FF2B5EF4-FFF2-40B4-BE49-F238E27FC236}">
+                  <a16:creationId xmlns:a16="http://schemas.microsoft.com/office/drawing/2014/main" id="{4E51ADCF-DE31-4771-A9DD-A4FD35518510}"/>
+                </a:ext>
+              </a:extLst>
+            </p:cNvPr>
+            <p:cNvSpPr/>
+            <p:nvPr/>
+          </p:nvSpPr>
+          <p:spPr>
+            <a:xfrm>
+              <a:off x="6585358" y="1754697"/>
+              <a:ext cx="1761688" cy="318782"/>
+            </a:xfrm>
+            <a:prstGeom prst="roundRect">
+              <a:avLst/>
+            </a:prstGeom>
+            <a:noFill/>
+            <a:ln w="57150">
+              <a:solidFill>
+                <a:srgbClr val="C00000"/>
+              </a:solidFill>
+            </a:ln>
+          </p:spPr>
+          <p:style>
+            <a:lnRef idx="2">
+              <a:schemeClr val="accent1">
+                <a:shade val="50000"/>
+              </a:schemeClr>
+            </a:lnRef>
+            <a:fillRef idx="1">
+              <a:schemeClr val="accent1"/>
+            </a:fillRef>
+            <a:effectRef idx="0">
+              <a:schemeClr val="accent1"/>
+            </a:effectRef>
+            <a:fontRef idx="minor">
+              <a:schemeClr val="lt1"/>
+            </a:fontRef>
+          </p:style>
+          <p:txBody>
+            <a:bodyPr rtlCol="0" anchor="ctr"/>
+            <a:lstStyle/>
+            <a:p>
+              <a:pPr algn="ctr"/>
+              <a:endParaRPr lang="en-GB" dirty="0"/>
+            </a:p>
+          </p:txBody>
+        </p:sp>
+        <p:sp>
+          <p:nvSpPr>
+            <p:cNvPr id="17" name="Rectangle: Rounded Corners 16">
+              <a:extLst>
+                <a:ext uri="{FF2B5EF4-FFF2-40B4-BE49-F238E27FC236}">
+                  <a16:creationId xmlns:a16="http://schemas.microsoft.com/office/drawing/2014/main" id="{082DF02F-A990-457E-974D-AB68C97D1DD0}"/>
+                </a:ext>
+              </a:extLst>
+            </p:cNvPr>
+            <p:cNvSpPr/>
+            <p:nvPr/>
+          </p:nvSpPr>
+          <p:spPr>
+            <a:xfrm>
+              <a:off x="10201012" y="2528251"/>
+              <a:ext cx="855677" cy="318782"/>
+            </a:xfrm>
+            <a:prstGeom prst="roundRect">
+              <a:avLst/>
+            </a:prstGeom>
+            <a:noFill/>
+            <a:ln w="57150">
+              <a:solidFill>
+                <a:srgbClr val="C00000"/>
+              </a:solidFill>
+            </a:ln>
+          </p:spPr>
+          <p:style>
+            <a:lnRef idx="2">
+              <a:schemeClr val="accent1">
+                <a:shade val="50000"/>
+              </a:schemeClr>
+            </a:lnRef>
+            <a:fillRef idx="1">
+              <a:schemeClr val="accent1"/>
+            </a:fillRef>
+            <a:effectRef idx="0">
+              <a:schemeClr val="accent1"/>
+            </a:effectRef>
+            <a:fontRef idx="minor">
+              <a:schemeClr val="lt1"/>
+            </a:fontRef>
+          </p:style>
+          <p:txBody>
+            <a:bodyPr rtlCol="0" anchor="ctr"/>
+            <a:lstStyle/>
+            <a:p>
+              <a:pPr algn="ctr"/>
+              <a:endParaRPr lang="en-GB" dirty="0"/>
+            </a:p>
+          </p:txBody>
+        </p:sp>
+        <p:sp>
+          <p:nvSpPr>
+            <p:cNvPr id="18" name="TextBox 17">
+              <a:extLst>
+                <a:ext uri="{FF2B5EF4-FFF2-40B4-BE49-F238E27FC236}">
+                  <a16:creationId xmlns:a16="http://schemas.microsoft.com/office/drawing/2014/main" id="{5C7AF1A9-38BB-4001-B97A-28CC20BD3767}"/>
+                </a:ext>
+              </a:extLst>
+            </p:cNvPr>
+            <p:cNvSpPr txBox="1"/>
+            <p:nvPr/>
+          </p:nvSpPr>
+          <p:spPr>
+            <a:xfrm>
+              <a:off x="6866449" y="2835369"/>
+              <a:ext cx="1550339" cy="903700"/>
+            </a:xfrm>
+            <a:prstGeom prst="rect">
+              <a:avLst/>
+            </a:prstGeom>
+            <a:solidFill>
+              <a:schemeClr val="tx1">
+                <a:alpha val="77000"/>
+              </a:schemeClr>
+            </a:solidFill>
+          </p:spPr>
+          <p:txBody>
+            <a:bodyPr wrap="square" lIns="36000" tIns="36000" rIns="36000" bIns="36000" rtlCol="0">
+              <a:spAutoFit/>
+            </a:bodyPr>
+            <a:lstStyle/>
+            <a:p>
+              <a:r>
+                <a:rPr lang="en-GB" dirty="0">
+                  <a:solidFill>
+                    <a:schemeClr val="bg1"/>
+                  </a:solidFill>
+                </a:rPr>
+                <a:t>Users you have created appear here</a:t>
+              </a:r>
+              <a:endParaRPr lang="en-GB" dirty="0">
+                <a:solidFill>
+                  <a:schemeClr val="accent4">
+                    <a:lumMod val="20000"/>
+                    <a:lumOff val="80000"/>
+                  </a:schemeClr>
+                </a:solidFill>
+              </a:endParaRPr>
+            </a:p>
+          </p:txBody>
+        </p:sp>
+        <p:cxnSp>
+          <p:nvCxnSpPr>
+            <p:cNvPr id="19" name="Straight Arrow Connector 18">
+              <a:extLst>
+                <a:ext uri="{FF2B5EF4-FFF2-40B4-BE49-F238E27FC236}">
+                  <a16:creationId xmlns:a16="http://schemas.microsoft.com/office/drawing/2014/main" id="{8D6B6D6E-6C19-446F-B5DF-4FACCDE11BB8}"/>
+                </a:ext>
+              </a:extLst>
+            </p:cNvPr>
+            <p:cNvCxnSpPr>
+              <a:cxnSpLocks/>
+              <a:stCxn id="18" idx="0"/>
+            </p:cNvCxnSpPr>
+            <p:nvPr/>
+          </p:nvCxnSpPr>
+          <p:spPr>
+            <a:xfrm flipH="1" flipV="1">
+              <a:off x="6994497" y="2156883"/>
+              <a:ext cx="647122" cy="678486"/>
+            </a:xfrm>
+            <a:prstGeom prst="straightConnector1">
+              <a:avLst/>
+            </a:prstGeom>
+            <a:ln w="38100">
+              <a:solidFill>
+                <a:srgbClr val="C00000"/>
+              </a:solidFill>
+              <a:tailEnd type="triangle"/>
+            </a:ln>
+          </p:spPr>
+          <p:style>
+            <a:lnRef idx="1">
+              <a:schemeClr val="accent1"/>
+            </a:lnRef>
+            <a:fillRef idx="0">
+              <a:schemeClr val="accent1"/>
+            </a:fillRef>
+            <a:effectRef idx="0">
+              <a:schemeClr val="accent1"/>
+            </a:effectRef>
+            <a:fontRef idx="minor">
+              <a:schemeClr val="tx1"/>
+            </a:fontRef>
+          </p:style>
+        </p:cxnSp>
+      </p:grpSp>
+    </p:spTree>
+    <p:extLst>
+      <p:ext uri="{BB962C8B-B14F-4D97-AF65-F5344CB8AC3E}">
+        <p14:creationId xmlns:p14="http://schemas.microsoft.com/office/powerpoint/2010/main" val="2952362342"/>
+      </p:ext>
+    </p:extLst>
+  </p:cSld>
+  <p:clrMapOvr>
+    <a:masterClrMapping/>
+  </p:clrMapOvr>
+</p:sld>
+</file>
+
+<file path=ppt/slides/slide6.xml><?xml version="1.0" encoding="utf-8"?>
+<p:sld xmlns:a="http://schemas.openxmlformats.org/drawingml/2006/main" xmlns:r="http://schemas.openxmlformats.org/officeDocument/2006/relationships" xmlns:p="http://schemas.openxmlformats.org/presentationml/2006/main">
+  <p:cSld>
+    <p:spTree>
+      <p:nvGrpSpPr>
+        <p:cNvPr id="1" name=""/>
+        <p:cNvGrpSpPr/>
+        <p:nvPr/>
+      </p:nvGrpSpPr>
+      <p:grpSpPr>
+        <a:xfrm>
+          <a:off x="0" y="0"/>
+          <a:ext cx="0" cy="0"/>
+          <a:chOff x="0" y="0"/>
+          <a:chExt cx="0" cy="0"/>
+        </a:xfrm>
+      </p:grpSpPr>
+      <p:pic>
+        <p:nvPicPr>
+          <p:cNvPr id="2" name="Picture 1">
+            <a:extLst>
+              <a:ext uri="{FF2B5EF4-FFF2-40B4-BE49-F238E27FC236}">
+                <a16:creationId xmlns:a16="http://schemas.microsoft.com/office/drawing/2014/main" id="{5175B7AD-7BDA-4A5C-BE8C-1DE7287BA5CE}"/>
+              </a:ext>
+            </a:extLst>
+          </p:cNvPr>
+          <p:cNvPicPr>
+            <a:picLocks noChangeAspect="1"/>
+          </p:cNvPicPr>
+          <p:nvPr/>
+        </p:nvPicPr>
+        <p:blipFill>
+          <a:blip r:embed="rId2"/>
+          <a:stretch>
+            <a:fillRect/>
+          </a:stretch>
+        </p:blipFill>
+        <p:spPr>
+          <a:xfrm>
+            <a:off x="166117" y="161925"/>
+            <a:ext cx="2247900" cy="3267075"/>
+          </a:xfrm>
+          <a:prstGeom prst="rect">
+            <a:avLst/>
+          </a:prstGeom>
+        </p:spPr>
+      </p:pic>
+      <p:pic>
+        <p:nvPicPr>
+          <p:cNvPr id="3" name="Picture 2">
+            <a:extLst>
+              <a:ext uri="{FF2B5EF4-FFF2-40B4-BE49-F238E27FC236}">
+                <a16:creationId xmlns:a16="http://schemas.microsoft.com/office/drawing/2014/main" id="{93B5AE8A-AE13-4B78-B28D-824222694808}"/>
+              </a:ext>
+            </a:extLst>
+          </p:cNvPr>
+          <p:cNvPicPr>
+            <a:picLocks noChangeAspect="1"/>
+          </p:cNvPicPr>
+          <p:nvPr/>
+        </p:nvPicPr>
+        <p:blipFill>
+          <a:blip r:embed="rId3"/>
+          <a:stretch>
+            <a:fillRect/>
+          </a:stretch>
+        </p:blipFill>
+        <p:spPr>
+          <a:xfrm>
+            <a:off x="2628613" y="148612"/>
+            <a:ext cx="4629150" cy="3743325"/>
+          </a:xfrm>
+          <a:prstGeom prst="rect">
+            <a:avLst/>
+          </a:prstGeom>
+        </p:spPr>
+      </p:pic>
+      <p:sp>
+        <p:nvSpPr>
+          <p:cNvPr id="4" name="TextBox 3">
+            <a:extLst>
+              <a:ext uri="{FF2B5EF4-FFF2-40B4-BE49-F238E27FC236}">
+                <a16:creationId xmlns:a16="http://schemas.microsoft.com/office/drawing/2014/main" id="{B380BDE0-3F3B-4BF0-893C-7EF78DA5BEE7}"/>
+              </a:ext>
+            </a:extLst>
+          </p:cNvPr>
+          <p:cNvSpPr txBox="1"/>
+          <p:nvPr/>
+        </p:nvSpPr>
+        <p:spPr>
+          <a:xfrm>
+            <a:off x="2809935" y="2511777"/>
+            <a:ext cx="1242743" cy="903700"/>
+          </a:xfrm>
+          <a:prstGeom prst="rect">
+            <a:avLst/>
+          </a:prstGeom>
+          <a:solidFill>
+            <a:schemeClr val="tx1">
+              <a:alpha val="77000"/>
+            </a:schemeClr>
+          </a:solidFill>
+        </p:spPr>
+        <p:txBody>
+          <a:bodyPr wrap="square" lIns="36000" tIns="36000" rIns="36000" bIns="36000" rtlCol="0">
+            <a:spAutoFit/>
+          </a:bodyPr>
+          <a:lstStyle/>
+          <a:p>
+            <a:r>
+              <a:rPr lang="en-GB" dirty="0">
+                <a:solidFill>
+                  <a:schemeClr val="bg1"/>
+                </a:solidFill>
+              </a:rPr>
+              <a:t>Tick this box to grant all </a:t>
+            </a:r>
+            <a:r>
+              <a:rPr lang="en-GB" dirty="0" err="1">
+                <a:solidFill>
+                  <a:schemeClr val="bg1"/>
+                </a:solidFill>
+              </a:rPr>
+              <a:t>priviledges</a:t>
+            </a:r>
+            <a:endParaRPr lang="en-GB" dirty="0">
+              <a:solidFill>
+                <a:schemeClr val="accent4">
+                  <a:lumMod val="20000"/>
+                  <a:lumOff val="80000"/>
+                </a:schemeClr>
+              </a:solidFill>
+            </a:endParaRPr>
+          </a:p>
+        </p:txBody>
+      </p:sp>
+      <p:cxnSp>
+        <p:nvCxnSpPr>
+          <p:cNvPr id="7" name="Straight Arrow Connector 6">
+            <a:extLst>
+              <a:ext uri="{FF2B5EF4-FFF2-40B4-BE49-F238E27FC236}">
+                <a16:creationId xmlns:a16="http://schemas.microsoft.com/office/drawing/2014/main" id="{BCB739EF-785D-4E22-995B-63ACB2260CA3}"/>
+              </a:ext>
+            </a:extLst>
+          </p:cNvPr>
+          <p:cNvCxnSpPr>
+            <a:cxnSpLocks/>
+            <a:stCxn id="4" idx="3"/>
+          </p:cNvCxnSpPr>
+          <p:nvPr/>
+        </p:nvCxnSpPr>
+        <p:spPr>
+          <a:xfrm flipV="1">
+            <a:off x="4052678" y="2525086"/>
+            <a:ext cx="561267" cy="438541"/>
+          </a:xfrm>
+          <a:prstGeom prst="straightConnector1">
+            <a:avLst/>
+          </a:prstGeom>
+          <a:ln w="38100">
+            <a:solidFill>
+              <a:srgbClr val="C00000"/>
+            </a:solidFill>
+            <a:tailEnd type="triangle"/>
+          </a:ln>
+        </p:spPr>
+        <p:style>
+          <a:lnRef idx="1">
+            <a:schemeClr val="accent1"/>
+          </a:lnRef>
+          <a:fillRef idx="0">
+            <a:schemeClr val="accent1"/>
+          </a:fillRef>
+          <a:effectRef idx="0">
+            <a:schemeClr val="accent1"/>
+          </a:effectRef>
+          <a:fontRef idx="minor">
+            <a:schemeClr val="tx1"/>
+          </a:fontRef>
+        </p:style>
+      </p:cxnSp>
+      <p:sp>
+        <p:nvSpPr>
+          <p:cNvPr id="8" name="Rectangle: Rounded Corners 7">
+            <a:extLst>
+              <a:ext uri="{FF2B5EF4-FFF2-40B4-BE49-F238E27FC236}">
+                <a16:creationId xmlns:a16="http://schemas.microsoft.com/office/drawing/2014/main" id="{497A6B44-0A78-4F49-8B1A-7A8BA232DBE5}"/>
+              </a:ext>
+            </a:extLst>
+          </p:cNvPr>
+          <p:cNvSpPr/>
+          <p:nvPr/>
+        </p:nvSpPr>
+        <p:spPr>
+          <a:xfrm>
+            <a:off x="4648297" y="2285921"/>
+            <a:ext cx="250970" cy="251023"/>
+          </a:xfrm>
+          <a:prstGeom prst="roundRect">
+            <a:avLst/>
+          </a:prstGeom>
+          <a:noFill/>
+          <a:ln w="57150">
+            <a:solidFill>
+              <a:srgbClr val="C00000"/>
+            </a:solidFill>
+          </a:ln>
+        </p:spPr>
+        <p:style>
+          <a:lnRef idx="2">
+            <a:schemeClr val="accent1">
+              <a:shade val="50000"/>
+            </a:schemeClr>
+          </a:lnRef>
+          <a:fillRef idx="1">
+            <a:schemeClr val="accent1"/>
+          </a:fillRef>
+          <a:effectRef idx="0">
+            <a:schemeClr val="accent1"/>
+          </a:effectRef>
+          <a:fontRef idx="minor">
+            <a:schemeClr val="lt1"/>
+          </a:fontRef>
+        </p:style>
+        <p:txBody>
+          <a:bodyPr rtlCol="0" anchor="ctr"/>
+          <a:lstStyle/>
+          <a:p>
+            <a:pPr algn="ctr"/>
+            <a:endParaRPr lang="en-GB" dirty="0"/>
+          </a:p>
+        </p:txBody>
+      </p:sp>
+      <p:sp>
+        <p:nvSpPr>
+          <p:cNvPr id="13" name="Rectangle: Rounded Corners 12">
+            <a:extLst>
+              <a:ext uri="{FF2B5EF4-FFF2-40B4-BE49-F238E27FC236}">
+                <a16:creationId xmlns:a16="http://schemas.microsoft.com/office/drawing/2014/main" id="{8C59D5EA-8C18-4C2F-A3E1-CB56B7C92191}"/>
+              </a:ext>
+            </a:extLst>
+          </p:cNvPr>
+          <p:cNvSpPr/>
+          <p:nvPr/>
+        </p:nvSpPr>
+        <p:spPr>
+          <a:xfrm>
+            <a:off x="4207826" y="3510714"/>
+            <a:ext cx="1110794" cy="356056"/>
+          </a:xfrm>
+          <a:prstGeom prst="roundRect">
+            <a:avLst/>
+          </a:prstGeom>
+          <a:noFill/>
+          <a:ln w="57150">
+            <a:solidFill>
+              <a:srgbClr val="C00000"/>
+            </a:solidFill>
+          </a:ln>
+        </p:spPr>
+        <p:style>
+          <a:lnRef idx="2">
+            <a:schemeClr val="accent1">
+              <a:shade val="50000"/>
+            </a:schemeClr>
+          </a:lnRef>
+          <a:fillRef idx="1">
+            <a:schemeClr val="accent1"/>
+          </a:fillRef>
+          <a:effectRef idx="0">
+            <a:schemeClr val="accent1"/>
+          </a:effectRef>
+          <a:fontRef idx="minor">
+            <a:schemeClr val="lt1"/>
+          </a:fontRef>
+        </p:style>
+        <p:txBody>
+          <a:bodyPr rtlCol="0" anchor="ctr"/>
+          <a:lstStyle/>
+          <a:p>
+            <a:pPr algn="ctr"/>
+            <a:endParaRPr lang="en-GB" dirty="0"/>
+          </a:p>
+        </p:txBody>
+      </p:sp>
+      <p:pic>
+        <p:nvPicPr>
+          <p:cNvPr id="15" name="Picture 14">
+            <a:extLst>
+              <a:ext uri="{FF2B5EF4-FFF2-40B4-BE49-F238E27FC236}">
+                <a16:creationId xmlns:a16="http://schemas.microsoft.com/office/drawing/2014/main" id="{DFB8B342-DC42-43C6-A13D-34842D8F654E}"/>
+              </a:ext>
+            </a:extLst>
+          </p:cNvPr>
+          <p:cNvPicPr>
+            <a:picLocks noChangeAspect="1"/>
+          </p:cNvPicPr>
+          <p:nvPr/>
+        </p:nvPicPr>
+        <p:blipFill rotWithShape="1">
+          <a:blip r:embed="rId4"/>
+          <a:srcRect b="86131"/>
+          <a:stretch/>
+        </p:blipFill>
+        <p:spPr>
+          <a:xfrm>
+            <a:off x="397826" y="4173665"/>
+            <a:ext cx="7620000" cy="739753"/>
+          </a:xfrm>
+          <a:prstGeom prst="rect">
+            <a:avLst/>
+          </a:prstGeom>
+        </p:spPr>
+      </p:pic>
+      <p:pic>
+        <p:nvPicPr>
+          <p:cNvPr id="16" name="Picture 15">
+            <a:extLst>
+              <a:ext uri="{FF2B5EF4-FFF2-40B4-BE49-F238E27FC236}">
+                <a16:creationId xmlns:a16="http://schemas.microsoft.com/office/drawing/2014/main" id="{29495A11-5034-431A-BD48-342958426B51}"/>
+              </a:ext>
+            </a:extLst>
+          </p:cNvPr>
+          <p:cNvPicPr>
+            <a:picLocks noChangeAspect="1"/>
+          </p:cNvPicPr>
+          <p:nvPr/>
+        </p:nvPicPr>
+        <p:blipFill rotWithShape="1">
+          <a:blip r:embed="rId4"/>
+          <a:srcRect l="7135" t="8803" r="90052" b="87177"/>
+          <a:stretch/>
+        </p:blipFill>
+        <p:spPr>
+          <a:xfrm>
+            <a:off x="671317" y="5513309"/>
+            <a:ext cx="652657" cy="652657"/>
+          </a:xfrm>
+          <a:prstGeom prst="rect">
+            <a:avLst/>
+          </a:prstGeom>
+        </p:spPr>
+      </p:pic>
+      <p:pic>
+        <p:nvPicPr>
+          <p:cNvPr id="17" name="Picture 16">
+            <a:extLst>
+              <a:ext uri="{FF2B5EF4-FFF2-40B4-BE49-F238E27FC236}">
+                <a16:creationId xmlns:a16="http://schemas.microsoft.com/office/drawing/2014/main" id="{9D6825BA-CE4F-4605-B53F-E0A71432185B}"/>
+              </a:ext>
+            </a:extLst>
+          </p:cNvPr>
+          <p:cNvPicPr>
+            <a:picLocks noChangeAspect="1"/>
+          </p:cNvPicPr>
+          <p:nvPr/>
+        </p:nvPicPr>
+        <p:blipFill rotWithShape="1">
+          <a:blip r:embed="rId5"/>
+          <a:srcRect r="85859" b="79711"/>
+          <a:stretch/>
+        </p:blipFill>
+        <p:spPr>
+          <a:xfrm>
+            <a:off x="8372475" y="1132274"/>
+            <a:ext cx="2937865" cy="2283203"/>
+          </a:xfrm>
+          <a:prstGeom prst="rect">
+            <a:avLst/>
+          </a:prstGeom>
+        </p:spPr>
+      </p:pic>
+      <p:pic>
+        <p:nvPicPr>
+          <p:cNvPr id="18" name="Picture 17">
+            <a:extLst>
+              <a:ext uri="{FF2B5EF4-FFF2-40B4-BE49-F238E27FC236}">
+                <a16:creationId xmlns:a16="http://schemas.microsoft.com/office/drawing/2014/main" id="{4ED2CC17-85BE-4100-A81F-08D684773377}"/>
+              </a:ext>
+            </a:extLst>
+          </p:cNvPr>
+          <p:cNvPicPr>
+            <a:picLocks noChangeAspect="1"/>
+          </p:cNvPicPr>
+          <p:nvPr/>
+        </p:nvPicPr>
+        <p:blipFill>
+          <a:blip r:embed="rId6">
+            <a:extLst>
+              <a:ext uri="{28A0092B-C50C-407E-A947-70E740481C1C}">
+                <a14:useLocalDpi xmlns:a14="http://schemas.microsoft.com/office/drawing/2010/main" val="0"/>
+              </a:ext>
+            </a:extLst>
+          </a:blip>
+          <a:stretch>
+            <a:fillRect/>
+          </a:stretch>
+        </p:blipFill>
+        <p:spPr>
+          <a:xfrm>
+            <a:off x="10146821" y="2385762"/>
+            <a:ext cx="371531" cy="278648"/>
+          </a:xfrm>
+          <a:prstGeom prst="rect">
+            <a:avLst/>
+          </a:prstGeom>
+        </p:spPr>
+      </p:pic>
+      <p:pic>
+        <p:nvPicPr>
+          <p:cNvPr id="19" name="Picture 18">
+            <a:extLst>
+              <a:ext uri="{FF2B5EF4-FFF2-40B4-BE49-F238E27FC236}">
+                <a16:creationId xmlns:a16="http://schemas.microsoft.com/office/drawing/2014/main" id="{93DE4008-D7BB-4820-B530-B769BB56D24D}"/>
+              </a:ext>
+            </a:extLst>
+          </p:cNvPr>
+          <p:cNvPicPr>
+            <a:picLocks noChangeAspect="1"/>
+          </p:cNvPicPr>
+          <p:nvPr/>
+        </p:nvPicPr>
+        <p:blipFill>
+          <a:blip r:embed="rId7"/>
+          <a:stretch>
+            <a:fillRect/>
+          </a:stretch>
+        </p:blipFill>
+        <p:spPr>
+          <a:xfrm>
+            <a:off x="4626736" y="2288949"/>
+            <a:ext cx="2938527" cy="2280102"/>
+          </a:xfrm>
+          <a:prstGeom prst="rect">
+            <a:avLst/>
+          </a:prstGeom>
+        </p:spPr>
+      </p:pic>
+    </p:spTree>
+    <p:extLst>
+      <p:ext uri="{BB962C8B-B14F-4D97-AF65-F5344CB8AC3E}">
+        <p14:creationId xmlns:p14="http://schemas.microsoft.com/office/powerpoint/2010/main" val="1777828702"/>
+      </p:ext>
+    </p:extLst>
+  </p:cSld>
+  <p:clrMapOvr>
+    <a:masterClrMapping/>
+  </p:clrMapOvr>
+</p:sld>
+</file>
+
+<file path=ppt/slides/slide7.xml><?xml version="1.0" encoding="utf-8"?>
 <p:sld xmlns:a="http://schemas.openxmlformats.org/drawingml/2006/main" xmlns:r="http://schemas.openxmlformats.org/officeDocument/2006/relationships" xmlns:p="http://schemas.openxmlformats.org/presentationml/2006/main">
   <p:cSld>
     <p:spTree>
@@ -4175,7 +5808,7 @@
 </p:sld>
 </file>
 
-<file path=ppt/slides/slide4.xml><?xml version="1.0" encoding="utf-8"?>
+<file path=ppt/slides/slide8.xml><?xml version="1.0" encoding="utf-8"?>
 <p:sld xmlns:a="http://schemas.openxmlformats.org/drawingml/2006/main" xmlns:r="http://schemas.openxmlformats.org/officeDocument/2006/relationships" xmlns:p="http://schemas.openxmlformats.org/presentationml/2006/main">
   <p:cSld>
     <p:spTree>
@@ -4474,7 +6107,7 @@
 </p:sld>
 </file>
 
-<file path=ppt/slides/slide5.xml><?xml version="1.0" encoding="utf-8"?>
+<file path=ppt/slides/slide9.xml><?xml version="1.0" encoding="utf-8"?>
 <p:sld xmlns:a="http://schemas.openxmlformats.org/drawingml/2006/main" xmlns:r="http://schemas.openxmlformats.org/officeDocument/2006/relationships" xmlns:p="http://schemas.openxmlformats.org/presentationml/2006/main">
   <p:cSld>
     <p:spTree>

--- a/devResources/Screenshots - Chris.pptx
+++ b/devResources/Screenshots - Chris.pptx
@@ -15,6 +15,14 @@
     <p:sldId id="257" r:id="rId9"/>
     <p:sldId id="258" r:id="rId10"/>
     <p:sldId id="261" r:id="rId11"/>
+    <p:sldId id="266" r:id="rId12"/>
+    <p:sldId id="269" r:id="rId13"/>
+    <p:sldId id="270" r:id="rId14"/>
+    <p:sldId id="267" r:id="rId15"/>
+    <p:sldId id="268" r:id="rId16"/>
+    <p:sldId id="271" r:id="rId17"/>
+    <p:sldId id="272" r:id="rId18"/>
+    <p:sldId id="273" r:id="rId19"/>
   </p:sldIdLst>
   <p:sldSz cx="12192000" cy="6858000"/>
   <p:notesSz cx="6858000" cy="9144000"/>
@@ -135,7 +143,19 @@
             <p14:sldId id="256"/>
             <p14:sldId id="257"/>
             <p14:sldId id="258"/>
+          </p14:sldIdLst>
+        </p14:section>
+        <p14:section name="Excel" id="{E1C8650A-E0BC-4723-BF29-FB1FA01469B9}">
+          <p14:sldIdLst>
             <p14:sldId id="261"/>
+            <p14:sldId id="266"/>
+            <p14:sldId id="269"/>
+            <p14:sldId id="270"/>
+            <p14:sldId id="267"/>
+            <p14:sldId id="268"/>
+            <p14:sldId id="271"/>
+            <p14:sldId id="272"/>
+            <p14:sldId id="273"/>
           </p14:sldIdLst>
         </p14:section>
       </p14:sectionLst>
@@ -296,7 +316,7 @@
           <a:p>
             <a:fld id="{644541E4-0029-43ED-8B8E-039FB63FC34F}" type="datetimeFigureOut">
               <a:rPr lang="en-GB" smtClean="0"/>
-              <a:t>16/11/2018</a:t>
+              <a:t>21/11/2018</a:t>
             </a:fld>
             <a:endParaRPr lang="en-GB"/>
           </a:p>
@@ -496,7 +516,7 @@
           <a:p>
             <a:fld id="{644541E4-0029-43ED-8B8E-039FB63FC34F}" type="datetimeFigureOut">
               <a:rPr lang="en-GB" smtClean="0"/>
-              <a:t>16/11/2018</a:t>
+              <a:t>21/11/2018</a:t>
             </a:fld>
             <a:endParaRPr lang="en-GB"/>
           </a:p>
@@ -706,7 +726,7 @@
           <a:p>
             <a:fld id="{644541E4-0029-43ED-8B8E-039FB63FC34F}" type="datetimeFigureOut">
               <a:rPr lang="en-GB" smtClean="0"/>
-              <a:t>16/11/2018</a:t>
+              <a:t>21/11/2018</a:t>
             </a:fld>
             <a:endParaRPr lang="en-GB"/>
           </a:p>
@@ -906,7 +926,7 @@
           <a:p>
             <a:fld id="{644541E4-0029-43ED-8B8E-039FB63FC34F}" type="datetimeFigureOut">
               <a:rPr lang="en-GB" smtClean="0"/>
-              <a:t>16/11/2018</a:t>
+              <a:t>21/11/2018</a:t>
             </a:fld>
             <a:endParaRPr lang="en-GB"/>
           </a:p>
@@ -1182,7 +1202,7 @@
           <a:p>
             <a:fld id="{644541E4-0029-43ED-8B8E-039FB63FC34F}" type="datetimeFigureOut">
               <a:rPr lang="en-GB" smtClean="0"/>
-              <a:t>16/11/2018</a:t>
+              <a:t>21/11/2018</a:t>
             </a:fld>
             <a:endParaRPr lang="en-GB"/>
           </a:p>
@@ -1450,7 +1470,7 @@
           <a:p>
             <a:fld id="{644541E4-0029-43ED-8B8E-039FB63FC34F}" type="datetimeFigureOut">
               <a:rPr lang="en-GB" smtClean="0"/>
-              <a:t>16/11/2018</a:t>
+              <a:t>21/11/2018</a:t>
             </a:fld>
             <a:endParaRPr lang="en-GB"/>
           </a:p>
@@ -1865,7 +1885,7 @@
           <a:p>
             <a:fld id="{644541E4-0029-43ED-8B8E-039FB63FC34F}" type="datetimeFigureOut">
               <a:rPr lang="en-GB" smtClean="0"/>
-              <a:t>16/11/2018</a:t>
+              <a:t>21/11/2018</a:t>
             </a:fld>
             <a:endParaRPr lang="en-GB"/>
           </a:p>
@@ -2007,7 +2027,7 @@
           <a:p>
             <a:fld id="{644541E4-0029-43ED-8B8E-039FB63FC34F}" type="datetimeFigureOut">
               <a:rPr lang="en-GB" smtClean="0"/>
-              <a:t>16/11/2018</a:t>
+              <a:t>21/11/2018</a:t>
             </a:fld>
             <a:endParaRPr lang="en-GB"/>
           </a:p>
@@ -2120,7 +2140,7 @@
           <a:p>
             <a:fld id="{644541E4-0029-43ED-8B8E-039FB63FC34F}" type="datetimeFigureOut">
               <a:rPr lang="en-GB" smtClean="0"/>
-              <a:t>16/11/2018</a:t>
+              <a:t>21/11/2018</a:t>
             </a:fld>
             <a:endParaRPr lang="en-GB"/>
           </a:p>
@@ -2433,7 +2453,7 @@
           <a:p>
             <a:fld id="{644541E4-0029-43ED-8B8E-039FB63FC34F}" type="datetimeFigureOut">
               <a:rPr lang="en-GB" smtClean="0"/>
-              <a:t>16/11/2018</a:t>
+              <a:t>21/11/2018</a:t>
             </a:fld>
             <a:endParaRPr lang="en-GB"/>
           </a:p>
@@ -2722,7 +2742,7 @@
           <a:p>
             <a:fld id="{644541E4-0029-43ED-8B8E-039FB63FC34F}" type="datetimeFigureOut">
               <a:rPr lang="en-GB" smtClean="0"/>
-              <a:t>16/11/2018</a:t>
+              <a:t>21/11/2018</a:t>
             </a:fld>
             <a:endParaRPr lang="en-GB"/>
           </a:p>
@@ -2965,7 +2985,7 @@
           <a:p>
             <a:fld id="{644541E4-0029-43ED-8B8E-039FB63FC34F}" type="datetimeFigureOut">
               <a:rPr lang="en-GB" smtClean="0"/>
-              <a:t>16/11/2018</a:t>
+              <a:t>21/11/2018</a:t>
             </a:fld>
             <a:endParaRPr lang="en-GB"/>
           </a:p>
@@ -3693,10 +3713,2176 @@
           <a:chExt cx="0" cy="0"/>
         </a:xfrm>
       </p:grpSpPr>
+      <p:pic>
+        <p:nvPicPr>
+          <p:cNvPr id="2" name="Picture 1">
+            <a:extLst>
+              <a:ext uri="{FF2B5EF4-FFF2-40B4-BE49-F238E27FC236}">
+                <a16:creationId xmlns:a16="http://schemas.microsoft.com/office/drawing/2014/main" id="{A4556C87-AF5D-4734-B896-395EF47C3C1A}"/>
+              </a:ext>
+            </a:extLst>
+          </p:cNvPr>
+          <p:cNvPicPr>
+            <a:picLocks noChangeAspect="1"/>
+          </p:cNvPicPr>
+          <p:nvPr/>
+        </p:nvPicPr>
+        <p:blipFill rotWithShape="1">
+          <a:blip r:embed="rId2"/>
+          <a:srcRect b="72795"/>
+          <a:stretch/>
+        </p:blipFill>
+        <p:spPr>
+          <a:xfrm>
+            <a:off x="272473" y="157023"/>
+            <a:ext cx="8728364" cy="1865745"/>
+          </a:xfrm>
+          <a:prstGeom prst="rect">
+            <a:avLst/>
+          </a:prstGeom>
+        </p:spPr>
+      </p:pic>
+      <p:sp>
+        <p:nvSpPr>
+          <p:cNvPr id="3" name="TextBox 2">
+            <a:extLst>
+              <a:ext uri="{FF2B5EF4-FFF2-40B4-BE49-F238E27FC236}">
+                <a16:creationId xmlns:a16="http://schemas.microsoft.com/office/drawing/2014/main" id="{6E91C1D4-DDA0-4887-8591-C87AD01538EB}"/>
+              </a:ext>
+            </a:extLst>
+          </p:cNvPr>
+          <p:cNvSpPr txBox="1"/>
+          <p:nvPr/>
+        </p:nvSpPr>
+        <p:spPr>
+          <a:xfrm>
+            <a:off x="5236848" y="938701"/>
+            <a:ext cx="2142310" cy="903700"/>
+          </a:xfrm>
+          <a:prstGeom prst="rect">
+            <a:avLst/>
+          </a:prstGeom>
+          <a:solidFill>
+            <a:schemeClr val="tx1">
+              <a:alpha val="77000"/>
+            </a:schemeClr>
+          </a:solidFill>
+        </p:spPr>
+        <p:txBody>
+          <a:bodyPr wrap="square" lIns="36000" tIns="36000" rIns="36000" bIns="36000" rtlCol="0">
+            <a:spAutoFit/>
+          </a:bodyPr>
+          <a:lstStyle/>
+          <a:p>
+            <a:r>
+              <a:rPr lang="en-GB" dirty="0">
+                <a:solidFill>
+                  <a:schemeClr val="bg1"/>
+                </a:solidFill>
+              </a:rPr>
+              <a:t>You will see this button if MySQL for Excel is installed</a:t>
+            </a:r>
+            <a:endParaRPr lang="en-GB" dirty="0">
+              <a:solidFill>
+                <a:schemeClr val="accent4">
+                  <a:lumMod val="20000"/>
+                  <a:lumOff val="80000"/>
+                </a:schemeClr>
+              </a:solidFill>
+            </a:endParaRPr>
+          </a:p>
+        </p:txBody>
+      </p:sp>
+      <p:cxnSp>
+        <p:nvCxnSpPr>
+          <p:cNvPr id="4" name="Straight Arrow Connector 3">
+            <a:extLst>
+              <a:ext uri="{FF2B5EF4-FFF2-40B4-BE49-F238E27FC236}">
+                <a16:creationId xmlns:a16="http://schemas.microsoft.com/office/drawing/2014/main" id="{C72A88E0-D31D-4688-8738-28D4C9B61F70}"/>
+              </a:ext>
+            </a:extLst>
+          </p:cNvPr>
+          <p:cNvCxnSpPr>
+            <a:cxnSpLocks/>
+          </p:cNvCxnSpPr>
+          <p:nvPr/>
+        </p:nvCxnSpPr>
+        <p:spPr>
+          <a:xfrm flipV="1">
+            <a:off x="7475970" y="1314967"/>
+            <a:ext cx="369455" cy="120072"/>
+          </a:xfrm>
+          <a:prstGeom prst="straightConnector1">
+            <a:avLst/>
+          </a:prstGeom>
+          <a:ln w="38100">
+            <a:solidFill>
+              <a:srgbClr val="C00000"/>
+            </a:solidFill>
+            <a:tailEnd type="triangle"/>
+          </a:ln>
+        </p:spPr>
+        <p:style>
+          <a:lnRef idx="1">
+            <a:schemeClr val="accent1"/>
+          </a:lnRef>
+          <a:fillRef idx="0">
+            <a:schemeClr val="accent1"/>
+          </a:fillRef>
+          <a:effectRef idx="0">
+            <a:schemeClr val="accent1"/>
+          </a:effectRef>
+          <a:fontRef idx="minor">
+            <a:schemeClr val="tx1"/>
+          </a:fontRef>
+        </p:style>
+      </p:cxnSp>
+      <p:sp>
+        <p:nvSpPr>
+          <p:cNvPr id="5" name="Rectangle: Rounded Corners 4">
+            <a:extLst>
+              <a:ext uri="{FF2B5EF4-FFF2-40B4-BE49-F238E27FC236}">
+                <a16:creationId xmlns:a16="http://schemas.microsoft.com/office/drawing/2014/main" id="{9177F73F-2C1E-44D7-BE01-4313E81C5C0D}"/>
+              </a:ext>
+            </a:extLst>
+          </p:cNvPr>
+          <p:cNvSpPr/>
+          <p:nvPr/>
+        </p:nvSpPr>
+        <p:spPr>
+          <a:xfrm>
+            <a:off x="4155499" y="484656"/>
+            <a:ext cx="545809" cy="485167"/>
+          </a:xfrm>
+          <a:prstGeom prst="roundRect">
+            <a:avLst/>
+          </a:prstGeom>
+          <a:noFill/>
+          <a:ln w="57150">
+            <a:solidFill>
+              <a:srgbClr val="C00000"/>
+            </a:solidFill>
+          </a:ln>
+        </p:spPr>
+        <p:style>
+          <a:lnRef idx="2">
+            <a:schemeClr val="accent1">
+              <a:shade val="50000"/>
+            </a:schemeClr>
+          </a:lnRef>
+          <a:fillRef idx="1">
+            <a:schemeClr val="accent1"/>
+          </a:fillRef>
+          <a:effectRef idx="0">
+            <a:schemeClr val="accent1"/>
+          </a:effectRef>
+          <a:fontRef idx="minor">
+            <a:schemeClr val="lt1"/>
+          </a:fontRef>
+        </p:style>
+        <p:txBody>
+          <a:bodyPr rtlCol="0" anchor="ctr"/>
+          <a:lstStyle/>
+          <a:p>
+            <a:pPr algn="ctr"/>
+            <a:endParaRPr lang="en-GB" dirty="0"/>
+          </a:p>
+        </p:txBody>
+      </p:sp>
+      <p:sp>
+        <p:nvSpPr>
+          <p:cNvPr id="6" name="Multiplication Sign 5">
+            <a:extLst>
+              <a:ext uri="{FF2B5EF4-FFF2-40B4-BE49-F238E27FC236}">
+                <a16:creationId xmlns:a16="http://schemas.microsoft.com/office/drawing/2014/main" id="{E084AA8A-03E9-4FEB-BDB6-E11724322999}"/>
+              </a:ext>
+            </a:extLst>
+          </p:cNvPr>
+          <p:cNvSpPr/>
+          <p:nvPr/>
+        </p:nvSpPr>
+        <p:spPr>
+          <a:xfrm>
+            <a:off x="10592549" y="996909"/>
+            <a:ext cx="319086" cy="310393"/>
+          </a:xfrm>
+          <a:prstGeom prst="mathMultiply">
+            <a:avLst/>
+          </a:prstGeom>
+          <a:solidFill>
+            <a:srgbClr val="C00000"/>
+          </a:solidFill>
+          <a:ln>
+            <a:noFill/>
+          </a:ln>
+        </p:spPr>
+        <p:style>
+          <a:lnRef idx="2">
+            <a:schemeClr val="accent1">
+              <a:shade val="50000"/>
+            </a:schemeClr>
+          </a:lnRef>
+          <a:fillRef idx="1">
+            <a:schemeClr val="accent1"/>
+          </a:fillRef>
+          <a:effectRef idx="0">
+            <a:schemeClr val="accent1"/>
+          </a:effectRef>
+          <a:fontRef idx="minor">
+            <a:schemeClr val="lt1"/>
+          </a:fontRef>
+        </p:style>
+        <p:txBody>
+          <a:bodyPr rtlCol="0" anchor="ctr"/>
+          <a:lstStyle/>
+          <a:p>
+            <a:pPr algn="ctr"/>
+            <a:endParaRPr lang="en-GB"/>
+          </a:p>
+        </p:txBody>
+      </p:sp>
+      <p:pic>
+        <p:nvPicPr>
+          <p:cNvPr id="7" name="Picture 6">
+            <a:extLst>
+              <a:ext uri="{FF2B5EF4-FFF2-40B4-BE49-F238E27FC236}">
+                <a16:creationId xmlns:a16="http://schemas.microsoft.com/office/drawing/2014/main" id="{363F30A1-A3C7-436B-99B3-58FFDF28D2C6}"/>
+              </a:ext>
+            </a:extLst>
+          </p:cNvPr>
+          <p:cNvPicPr>
+            <a:picLocks noChangeAspect="1"/>
+          </p:cNvPicPr>
+          <p:nvPr/>
+        </p:nvPicPr>
+        <p:blipFill>
+          <a:blip r:embed="rId3">
+            <a:extLst>
+              <a:ext uri="{28A0092B-C50C-407E-A947-70E740481C1C}">
+                <a14:useLocalDpi xmlns:a14="http://schemas.microsoft.com/office/drawing/2010/main" val="0"/>
+              </a:ext>
+            </a:extLst>
+          </a:blip>
+          <a:stretch>
+            <a:fillRect/>
+          </a:stretch>
+        </p:blipFill>
+        <p:spPr>
+          <a:xfrm>
+            <a:off x="10082637" y="1293489"/>
+            <a:ext cx="371531" cy="278648"/>
+          </a:xfrm>
+          <a:prstGeom prst="rect">
+            <a:avLst/>
+          </a:prstGeom>
+        </p:spPr>
+      </p:pic>
+      <p:sp>
+        <p:nvSpPr>
+          <p:cNvPr id="12" name="Rectangle: Rounded Corners 11">
+            <a:extLst>
+              <a:ext uri="{FF2B5EF4-FFF2-40B4-BE49-F238E27FC236}">
+                <a16:creationId xmlns:a16="http://schemas.microsoft.com/office/drawing/2014/main" id="{CF4D4E02-9BE7-4B8F-886A-D31C72748488}"/>
+              </a:ext>
+            </a:extLst>
+          </p:cNvPr>
+          <p:cNvSpPr/>
+          <p:nvPr/>
+        </p:nvSpPr>
+        <p:spPr>
+          <a:xfrm>
+            <a:off x="7914699" y="847311"/>
+            <a:ext cx="832137" cy="935312"/>
+          </a:xfrm>
+          <a:prstGeom prst="roundRect">
+            <a:avLst/>
+          </a:prstGeom>
+          <a:noFill/>
+          <a:ln w="57150">
+            <a:solidFill>
+              <a:srgbClr val="C00000"/>
+            </a:solidFill>
+          </a:ln>
+        </p:spPr>
+        <p:style>
+          <a:lnRef idx="2">
+            <a:schemeClr val="accent1">
+              <a:shade val="50000"/>
+            </a:schemeClr>
+          </a:lnRef>
+          <a:fillRef idx="1">
+            <a:schemeClr val="accent1"/>
+          </a:fillRef>
+          <a:effectRef idx="0">
+            <a:schemeClr val="accent1"/>
+          </a:effectRef>
+          <a:fontRef idx="minor">
+            <a:schemeClr val="lt1"/>
+          </a:fontRef>
+        </p:style>
+        <p:txBody>
+          <a:bodyPr rtlCol="0" anchor="ctr"/>
+          <a:lstStyle/>
+          <a:p>
+            <a:pPr algn="ctr"/>
+            <a:endParaRPr lang="en-GB" dirty="0"/>
+          </a:p>
+        </p:txBody>
+      </p:sp>
+      <p:pic>
+        <p:nvPicPr>
+          <p:cNvPr id="8" name="Picture 7">
+            <a:extLst>
+              <a:ext uri="{FF2B5EF4-FFF2-40B4-BE49-F238E27FC236}">
+                <a16:creationId xmlns:a16="http://schemas.microsoft.com/office/drawing/2014/main" id="{D9FF60AA-1670-40A3-A317-3EF40A29E32A}"/>
+              </a:ext>
+            </a:extLst>
+          </p:cNvPr>
+          <p:cNvPicPr>
+            <a:picLocks noChangeAspect="1"/>
+          </p:cNvPicPr>
+          <p:nvPr/>
+        </p:nvPicPr>
+        <p:blipFill rotWithShape="1">
+          <a:blip r:embed="rId4"/>
+          <a:srcRect l="85746" t="28723" b="7694"/>
+          <a:stretch/>
+        </p:blipFill>
+        <p:spPr>
+          <a:xfrm>
+            <a:off x="364836" y="2432951"/>
+            <a:ext cx="1737832" cy="4194973"/>
+          </a:xfrm>
+          <a:prstGeom prst="rect">
+            <a:avLst/>
+          </a:prstGeom>
+        </p:spPr>
+      </p:pic>
+      <p:sp>
+        <p:nvSpPr>
+          <p:cNvPr id="10" name="Rectangle: Rounded Corners 9">
+            <a:extLst>
+              <a:ext uri="{FF2B5EF4-FFF2-40B4-BE49-F238E27FC236}">
+                <a16:creationId xmlns:a16="http://schemas.microsoft.com/office/drawing/2014/main" id="{752E0BD2-53D8-44E8-8D64-D409260703FD}"/>
+              </a:ext>
+            </a:extLst>
+          </p:cNvPr>
+          <p:cNvSpPr/>
+          <p:nvPr/>
+        </p:nvSpPr>
+        <p:spPr>
+          <a:xfrm>
+            <a:off x="353114" y="6005688"/>
+            <a:ext cx="1749554" cy="286843"/>
+          </a:xfrm>
+          <a:prstGeom prst="roundRect">
+            <a:avLst/>
+          </a:prstGeom>
+          <a:noFill/>
+          <a:ln w="57150">
+            <a:solidFill>
+              <a:srgbClr val="C00000"/>
+            </a:solidFill>
+          </a:ln>
+        </p:spPr>
+        <p:style>
+          <a:lnRef idx="2">
+            <a:schemeClr val="accent1">
+              <a:shade val="50000"/>
+            </a:schemeClr>
+          </a:lnRef>
+          <a:fillRef idx="1">
+            <a:schemeClr val="accent1"/>
+          </a:fillRef>
+          <a:effectRef idx="0">
+            <a:schemeClr val="accent1"/>
+          </a:effectRef>
+          <a:fontRef idx="minor">
+            <a:schemeClr val="lt1"/>
+          </a:fontRef>
+        </p:style>
+        <p:txBody>
+          <a:bodyPr rtlCol="0" anchor="ctr"/>
+          <a:lstStyle/>
+          <a:p>
+            <a:pPr algn="ctr"/>
+            <a:endParaRPr lang="en-GB" dirty="0"/>
+          </a:p>
+        </p:txBody>
+      </p:sp>
+      <p:pic>
+        <p:nvPicPr>
+          <p:cNvPr id="13" name="Picture 12">
+            <a:extLst>
+              <a:ext uri="{FF2B5EF4-FFF2-40B4-BE49-F238E27FC236}">
+                <a16:creationId xmlns:a16="http://schemas.microsoft.com/office/drawing/2014/main" id="{1A8C8B48-4C33-4634-B23D-63E31463F2C4}"/>
+              </a:ext>
+            </a:extLst>
+          </p:cNvPr>
+          <p:cNvPicPr>
+            <a:picLocks noChangeAspect="1"/>
+          </p:cNvPicPr>
+          <p:nvPr/>
+        </p:nvPicPr>
+        <p:blipFill>
+          <a:blip r:embed="rId5"/>
+          <a:stretch>
+            <a:fillRect/>
+          </a:stretch>
+        </p:blipFill>
+        <p:spPr>
+          <a:xfrm>
+            <a:off x="2657928" y="2442987"/>
+            <a:ext cx="6153564" cy="4266676"/>
+          </a:xfrm>
+          <a:prstGeom prst="rect">
+            <a:avLst/>
+          </a:prstGeom>
+        </p:spPr>
+      </p:pic>
+      <p:pic>
+        <p:nvPicPr>
+          <p:cNvPr id="14" name="Picture 13">
+            <a:extLst>
+              <a:ext uri="{FF2B5EF4-FFF2-40B4-BE49-F238E27FC236}">
+                <a16:creationId xmlns:a16="http://schemas.microsoft.com/office/drawing/2014/main" id="{EFBFCDE7-083C-4A6F-B49D-EFEDE1E10F78}"/>
+              </a:ext>
+            </a:extLst>
+          </p:cNvPr>
+          <p:cNvPicPr>
+            <a:picLocks noChangeAspect="1"/>
+          </p:cNvPicPr>
+          <p:nvPr/>
+        </p:nvPicPr>
+        <p:blipFill>
+          <a:blip r:embed="rId6"/>
+          <a:stretch>
+            <a:fillRect/>
+          </a:stretch>
+        </p:blipFill>
+        <p:spPr>
+          <a:xfrm>
+            <a:off x="9309409" y="2268043"/>
+            <a:ext cx="1602226" cy="4024488"/>
+          </a:xfrm>
+          <a:prstGeom prst="rect">
+            <a:avLst/>
+          </a:prstGeom>
+        </p:spPr>
+      </p:pic>
+      <p:sp>
+        <p:nvSpPr>
+          <p:cNvPr id="17" name="Rectangle: Rounded Corners 16">
+            <a:extLst>
+              <a:ext uri="{FF2B5EF4-FFF2-40B4-BE49-F238E27FC236}">
+                <a16:creationId xmlns:a16="http://schemas.microsoft.com/office/drawing/2014/main" id="{47949F4A-92A1-4AAC-AE1A-04B412420E29}"/>
+              </a:ext>
+            </a:extLst>
+          </p:cNvPr>
+          <p:cNvSpPr/>
+          <p:nvPr/>
+        </p:nvSpPr>
+        <p:spPr>
+          <a:xfrm>
+            <a:off x="9348280" y="4113315"/>
+            <a:ext cx="1544883" cy="375558"/>
+          </a:xfrm>
+          <a:prstGeom prst="roundRect">
+            <a:avLst/>
+          </a:prstGeom>
+          <a:noFill/>
+          <a:ln w="57150">
+            <a:solidFill>
+              <a:srgbClr val="C00000"/>
+            </a:solidFill>
+          </a:ln>
+        </p:spPr>
+        <p:style>
+          <a:lnRef idx="2">
+            <a:schemeClr val="accent1">
+              <a:shade val="50000"/>
+            </a:schemeClr>
+          </a:lnRef>
+          <a:fillRef idx="1">
+            <a:schemeClr val="accent1"/>
+          </a:fillRef>
+          <a:effectRef idx="0">
+            <a:schemeClr val="accent1"/>
+          </a:effectRef>
+          <a:fontRef idx="minor">
+            <a:schemeClr val="lt1"/>
+          </a:fontRef>
+        </p:style>
+        <p:txBody>
+          <a:bodyPr rtlCol="0" anchor="ctr"/>
+          <a:lstStyle/>
+          <a:p>
+            <a:pPr algn="ctr"/>
+            <a:endParaRPr lang="en-GB" dirty="0"/>
+          </a:p>
+        </p:txBody>
+      </p:sp>
     </p:spTree>
     <p:extLst>
       <p:ext uri="{BB962C8B-B14F-4D97-AF65-F5344CB8AC3E}">
         <p14:creationId xmlns:p14="http://schemas.microsoft.com/office/powerpoint/2010/main" val="3600058155"/>
+      </p:ext>
+    </p:extLst>
+  </p:cSld>
+  <p:clrMapOvr>
+    <a:masterClrMapping/>
+  </p:clrMapOvr>
+</p:sld>
+</file>
+
+<file path=ppt/slides/slide11.xml><?xml version="1.0" encoding="utf-8"?>
+<p:sld xmlns:a="http://schemas.openxmlformats.org/drawingml/2006/main" xmlns:r="http://schemas.openxmlformats.org/officeDocument/2006/relationships" xmlns:p="http://schemas.openxmlformats.org/presentationml/2006/main">
+  <p:cSld>
+    <p:spTree>
+      <p:nvGrpSpPr>
+        <p:cNvPr id="1" name=""/>
+        <p:cNvGrpSpPr/>
+        <p:nvPr/>
+      </p:nvGrpSpPr>
+      <p:grpSpPr>
+        <a:xfrm>
+          <a:off x="0" y="0"/>
+          <a:ext cx="0" cy="0"/>
+          <a:chOff x="0" y="0"/>
+          <a:chExt cx="0" cy="0"/>
+        </a:xfrm>
+      </p:grpSpPr>
+      <p:pic>
+        <p:nvPicPr>
+          <p:cNvPr id="2" name="Picture 1">
+            <a:extLst>
+              <a:ext uri="{FF2B5EF4-FFF2-40B4-BE49-F238E27FC236}">
+                <a16:creationId xmlns:a16="http://schemas.microsoft.com/office/drawing/2014/main" id="{698D7B96-4596-46AC-8A8B-89E0BB5254D4}"/>
+              </a:ext>
+            </a:extLst>
+          </p:cNvPr>
+          <p:cNvPicPr>
+            <a:picLocks noChangeAspect="1"/>
+          </p:cNvPicPr>
+          <p:nvPr/>
+        </p:nvPicPr>
+        <p:blipFill rotWithShape="1">
+          <a:blip r:embed="rId2"/>
+          <a:srcRect t="33984" b="5701"/>
+          <a:stretch/>
+        </p:blipFill>
+        <p:spPr>
+          <a:xfrm>
+            <a:off x="0" y="0"/>
+            <a:ext cx="2776466" cy="3429000"/>
+          </a:xfrm>
+          <a:prstGeom prst="rect">
+            <a:avLst/>
+          </a:prstGeom>
+        </p:spPr>
+      </p:pic>
+      <p:pic>
+        <p:nvPicPr>
+          <p:cNvPr id="4" name="Picture 3">
+            <a:extLst>
+              <a:ext uri="{FF2B5EF4-FFF2-40B4-BE49-F238E27FC236}">
+                <a16:creationId xmlns:a16="http://schemas.microsoft.com/office/drawing/2014/main" id="{2D6E5C5A-B3E3-49B4-B16A-1386BE08EBD8}"/>
+              </a:ext>
+            </a:extLst>
+          </p:cNvPr>
+          <p:cNvPicPr>
+            <a:picLocks noChangeAspect="1"/>
+          </p:cNvPicPr>
+          <p:nvPr/>
+        </p:nvPicPr>
+        <p:blipFill>
+          <a:blip r:embed="rId3"/>
+          <a:stretch>
+            <a:fillRect/>
+          </a:stretch>
+        </p:blipFill>
+        <p:spPr>
+          <a:xfrm>
+            <a:off x="2903743" y="0"/>
+            <a:ext cx="2534835" cy="3429000"/>
+          </a:xfrm>
+          <a:prstGeom prst="rect">
+            <a:avLst/>
+          </a:prstGeom>
+        </p:spPr>
+      </p:pic>
+      <p:pic>
+        <p:nvPicPr>
+          <p:cNvPr id="5" name="Picture 4">
+            <a:extLst>
+              <a:ext uri="{FF2B5EF4-FFF2-40B4-BE49-F238E27FC236}">
+                <a16:creationId xmlns:a16="http://schemas.microsoft.com/office/drawing/2014/main" id="{5E7A7E5C-A111-4B22-832E-05B48A942481}"/>
+              </a:ext>
+            </a:extLst>
+          </p:cNvPr>
+          <p:cNvPicPr>
+            <a:picLocks noChangeAspect="1"/>
+          </p:cNvPicPr>
+          <p:nvPr/>
+        </p:nvPicPr>
+        <p:blipFill>
+          <a:blip r:embed="rId4"/>
+          <a:stretch>
+            <a:fillRect/>
+          </a:stretch>
+        </p:blipFill>
+        <p:spPr>
+          <a:xfrm>
+            <a:off x="494131" y="3637935"/>
+            <a:ext cx="4564669" cy="2392464"/>
+          </a:xfrm>
+          <a:prstGeom prst="rect">
+            <a:avLst/>
+          </a:prstGeom>
+        </p:spPr>
+      </p:pic>
+      <p:pic>
+        <p:nvPicPr>
+          <p:cNvPr id="3" name="Picture 2">
+            <a:extLst>
+              <a:ext uri="{FF2B5EF4-FFF2-40B4-BE49-F238E27FC236}">
+                <a16:creationId xmlns:a16="http://schemas.microsoft.com/office/drawing/2014/main" id="{2EFAEC73-6623-476C-9D54-9B12445ACE14}"/>
+              </a:ext>
+            </a:extLst>
+          </p:cNvPr>
+          <p:cNvPicPr>
+            <a:picLocks noChangeAspect="1"/>
+          </p:cNvPicPr>
+          <p:nvPr/>
+        </p:nvPicPr>
+        <p:blipFill rotWithShape="1">
+          <a:blip r:embed="rId5"/>
+          <a:srcRect b="9391"/>
+          <a:stretch/>
+        </p:blipFill>
+        <p:spPr>
+          <a:xfrm>
+            <a:off x="5642531" y="0"/>
+            <a:ext cx="2713637" cy="3429000"/>
+          </a:xfrm>
+          <a:prstGeom prst="rect">
+            <a:avLst/>
+          </a:prstGeom>
+        </p:spPr>
+      </p:pic>
+      <p:sp>
+        <p:nvSpPr>
+          <p:cNvPr id="6" name="TextBox 5">
+            <a:extLst>
+              <a:ext uri="{FF2B5EF4-FFF2-40B4-BE49-F238E27FC236}">
+                <a16:creationId xmlns:a16="http://schemas.microsoft.com/office/drawing/2014/main" id="{BC3FB41C-F3E0-46E7-A32E-D14298738FF5}"/>
+              </a:ext>
+            </a:extLst>
+          </p:cNvPr>
+          <p:cNvSpPr txBox="1"/>
+          <p:nvPr/>
+        </p:nvSpPr>
+        <p:spPr>
+          <a:xfrm>
+            <a:off x="634155" y="5363105"/>
+            <a:ext cx="2142310" cy="626701"/>
+          </a:xfrm>
+          <a:prstGeom prst="rect">
+            <a:avLst/>
+          </a:prstGeom>
+          <a:solidFill>
+            <a:schemeClr val="tx1">
+              <a:alpha val="77000"/>
+            </a:schemeClr>
+          </a:solidFill>
+        </p:spPr>
+        <p:txBody>
+          <a:bodyPr wrap="square" lIns="36000" tIns="36000" rIns="36000" bIns="36000" rtlCol="0">
+            <a:spAutoFit/>
+          </a:bodyPr>
+          <a:lstStyle/>
+          <a:p>
+            <a:r>
+              <a:rPr lang="en-GB" dirty="0">
+                <a:solidFill>
+                  <a:schemeClr val="bg1"/>
+                </a:solidFill>
+              </a:rPr>
+              <a:t>Change this to utf8_Unicode_ci</a:t>
+            </a:r>
+            <a:endParaRPr lang="en-GB" dirty="0">
+              <a:solidFill>
+                <a:schemeClr val="accent4">
+                  <a:lumMod val="20000"/>
+                  <a:lumOff val="80000"/>
+                </a:schemeClr>
+              </a:solidFill>
+            </a:endParaRPr>
+          </a:p>
+        </p:txBody>
+      </p:sp>
+      <p:cxnSp>
+        <p:nvCxnSpPr>
+          <p:cNvPr id="7" name="Straight Arrow Connector 6">
+            <a:extLst>
+              <a:ext uri="{FF2B5EF4-FFF2-40B4-BE49-F238E27FC236}">
+                <a16:creationId xmlns:a16="http://schemas.microsoft.com/office/drawing/2014/main" id="{1C8ACF13-DB6B-4B16-92FC-B318318D30BC}"/>
+              </a:ext>
+            </a:extLst>
+          </p:cNvPr>
+          <p:cNvCxnSpPr>
+            <a:cxnSpLocks/>
+          </p:cNvCxnSpPr>
+          <p:nvPr/>
+        </p:nvCxnSpPr>
+        <p:spPr>
+          <a:xfrm flipH="1">
+            <a:off x="8353515" y="4442762"/>
+            <a:ext cx="343949" cy="294262"/>
+          </a:xfrm>
+          <a:prstGeom prst="straightConnector1">
+            <a:avLst/>
+          </a:prstGeom>
+          <a:ln w="38100">
+            <a:solidFill>
+              <a:srgbClr val="C00000"/>
+            </a:solidFill>
+            <a:tailEnd type="triangle"/>
+          </a:ln>
+        </p:spPr>
+        <p:style>
+          <a:lnRef idx="1">
+            <a:schemeClr val="accent1"/>
+          </a:lnRef>
+          <a:fillRef idx="0">
+            <a:schemeClr val="accent1"/>
+          </a:fillRef>
+          <a:effectRef idx="0">
+            <a:schemeClr val="accent1"/>
+          </a:effectRef>
+          <a:fontRef idx="minor">
+            <a:schemeClr val="tx1"/>
+          </a:fontRef>
+        </p:style>
+      </p:cxnSp>
+      <p:sp>
+        <p:nvSpPr>
+          <p:cNvPr id="8" name="Rectangle: Rounded Corners 7">
+            <a:extLst>
+              <a:ext uri="{FF2B5EF4-FFF2-40B4-BE49-F238E27FC236}">
+                <a16:creationId xmlns:a16="http://schemas.microsoft.com/office/drawing/2014/main" id="{B6FF3150-48CE-42A9-B080-F9132CD49EE2}"/>
+              </a:ext>
+            </a:extLst>
+          </p:cNvPr>
+          <p:cNvSpPr/>
+          <p:nvPr/>
+        </p:nvSpPr>
+        <p:spPr>
+          <a:xfrm>
+            <a:off x="7970118" y="4853451"/>
+            <a:ext cx="250970" cy="251023"/>
+          </a:xfrm>
+          <a:prstGeom prst="roundRect">
+            <a:avLst/>
+          </a:prstGeom>
+          <a:noFill/>
+          <a:ln w="57150">
+            <a:solidFill>
+              <a:srgbClr val="C00000"/>
+            </a:solidFill>
+          </a:ln>
+        </p:spPr>
+        <p:style>
+          <a:lnRef idx="2">
+            <a:schemeClr val="accent1">
+              <a:shade val="50000"/>
+            </a:schemeClr>
+          </a:lnRef>
+          <a:fillRef idx="1">
+            <a:schemeClr val="accent1"/>
+          </a:fillRef>
+          <a:effectRef idx="0">
+            <a:schemeClr val="accent1"/>
+          </a:effectRef>
+          <a:fontRef idx="minor">
+            <a:schemeClr val="lt1"/>
+          </a:fontRef>
+        </p:style>
+        <p:txBody>
+          <a:bodyPr rtlCol="0" anchor="ctr"/>
+          <a:lstStyle/>
+          <a:p>
+            <a:pPr algn="ctr"/>
+            <a:endParaRPr lang="en-GB" dirty="0"/>
+          </a:p>
+        </p:txBody>
+      </p:sp>
+      <p:sp>
+        <p:nvSpPr>
+          <p:cNvPr id="9" name="Rectangle: Rounded Corners 8">
+            <a:extLst>
+              <a:ext uri="{FF2B5EF4-FFF2-40B4-BE49-F238E27FC236}">
+                <a16:creationId xmlns:a16="http://schemas.microsoft.com/office/drawing/2014/main" id="{F503A318-4F47-4223-87AD-E34BEDE2BD53}"/>
+              </a:ext>
+            </a:extLst>
+          </p:cNvPr>
+          <p:cNvSpPr/>
+          <p:nvPr/>
+        </p:nvSpPr>
+        <p:spPr>
+          <a:xfrm>
+            <a:off x="2980418" y="2987706"/>
+            <a:ext cx="1942563" cy="441294"/>
+          </a:xfrm>
+          <a:prstGeom prst="roundRect">
+            <a:avLst/>
+          </a:prstGeom>
+          <a:noFill/>
+          <a:ln w="57150">
+            <a:solidFill>
+              <a:srgbClr val="C00000"/>
+            </a:solidFill>
+          </a:ln>
+        </p:spPr>
+        <p:style>
+          <a:lnRef idx="2">
+            <a:schemeClr val="accent1">
+              <a:shade val="50000"/>
+            </a:schemeClr>
+          </a:lnRef>
+          <a:fillRef idx="1">
+            <a:schemeClr val="accent1"/>
+          </a:fillRef>
+          <a:effectRef idx="0">
+            <a:schemeClr val="accent1"/>
+          </a:effectRef>
+          <a:fontRef idx="minor">
+            <a:schemeClr val="lt1"/>
+          </a:fontRef>
+        </p:style>
+        <p:txBody>
+          <a:bodyPr rtlCol="0" anchor="ctr"/>
+          <a:lstStyle/>
+          <a:p>
+            <a:pPr algn="ctr"/>
+            <a:endParaRPr lang="en-GB" dirty="0"/>
+          </a:p>
+        </p:txBody>
+      </p:sp>
+      <p:cxnSp>
+        <p:nvCxnSpPr>
+          <p:cNvPr id="10" name="Straight Arrow Connector 9">
+            <a:extLst>
+              <a:ext uri="{FF2B5EF4-FFF2-40B4-BE49-F238E27FC236}">
+                <a16:creationId xmlns:a16="http://schemas.microsoft.com/office/drawing/2014/main" id="{364A521A-6FB8-4A0C-B34F-A153F1B17461}"/>
+              </a:ext>
+            </a:extLst>
+          </p:cNvPr>
+          <p:cNvCxnSpPr>
+            <a:cxnSpLocks/>
+          </p:cNvCxnSpPr>
+          <p:nvPr/>
+        </p:nvCxnSpPr>
+        <p:spPr>
+          <a:xfrm flipV="1">
+            <a:off x="2139646" y="5322512"/>
+            <a:ext cx="450745" cy="294261"/>
+          </a:xfrm>
+          <a:prstGeom prst="straightConnector1">
+            <a:avLst/>
+          </a:prstGeom>
+          <a:ln w="38100">
+            <a:solidFill>
+              <a:srgbClr val="C00000"/>
+            </a:solidFill>
+            <a:tailEnd type="triangle"/>
+          </a:ln>
+        </p:spPr>
+        <p:style>
+          <a:lnRef idx="1">
+            <a:schemeClr val="accent1"/>
+          </a:lnRef>
+          <a:fillRef idx="0">
+            <a:schemeClr val="accent1"/>
+          </a:fillRef>
+          <a:effectRef idx="0">
+            <a:schemeClr val="accent1"/>
+          </a:effectRef>
+          <a:fontRef idx="minor">
+            <a:schemeClr val="tx1"/>
+          </a:fontRef>
+        </p:style>
+      </p:cxnSp>
+      <p:sp>
+        <p:nvSpPr>
+          <p:cNvPr id="15" name="Rectangle: Rounded Corners 14">
+            <a:extLst>
+              <a:ext uri="{FF2B5EF4-FFF2-40B4-BE49-F238E27FC236}">
+                <a16:creationId xmlns:a16="http://schemas.microsoft.com/office/drawing/2014/main" id="{4C198FD0-1FC5-48FD-BC9B-1797FCD0BD9A}"/>
+              </a:ext>
+            </a:extLst>
+          </p:cNvPr>
+          <p:cNvSpPr/>
+          <p:nvPr/>
+        </p:nvSpPr>
+        <p:spPr>
+          <a:xfrm>
+            <a:off x="5716444" y="835633"/>
+            <a:ext cx="2568573" cy="420512"/>
+          </a:xfrm>
+          <a:prstGeom prst="roundRect">
+            <a:avLst/>
+          </a:prstGeom>
+          <a:noFill/>
+          <a:ln w="57150">
+            <a:solidFill>
+              <a:srgbClr val="C00000"/>
+            </a:solidFill>
+          </a:ln>
+        </p:spPr>
+        <p:style>
+          <a:lnRef idx="2">
+            <a:schemeClr val="accent1">
+              <a:shade val="50000"/>
+            </a:schemeClr>
+          </a:lnRef>
+          <a:fillRef idx="1">
+            <a:schemeClr val="accent1"/>
+          </a:fillRef>
+          <a:effectRef idx="0">
+            <a:schemeClr val="accent1"/>
+          </a:effectRef>
+          <a:fontRef idx="minor">
+            <a:schemeClr val="lt1"/>
+          </a:fontRef>
+        </p:style>
+        <p:txBody>
+          <a:bodyPr rtlCol="0" anchor="ctr"/>
+          <a:lstStyle/>
+          <a:p>
+            <a:pPr algn="ctr"/>
+            <a:endParaRPr lang="en-GB" dirty="0"/>
+          </a:p>
+        </p:txBody>
+      </p:sp>
+    </p:spTree>
+    <p:extLst>
+      <p:ext uri="{BB962C8B-B14F-4D97-AF65-F5344CB8AC3E}">
+        <p14:creationId xmlns:p14="http://schemas.microsoft.com/office/powerpoint/2010/main" val="2003321952"/>
+      </p:ext>
+    </p:extLst>
+  </p:cSld>
+  <p:clrMapOvr>
+    <a:masterClrMapping/>
+  </p:clrMapOvr>
+</p:sld>
+</file>
+
+<file path=ppt/slides/slide12.xml><?xml version="1.0" encoding="utf-8"?>
+<p:sld xmlns:a="http://schemas.openxmlformats.org/drawingml/2006/main" xmlns:r="http://schemas.openxmlformats.org/officeDocument/2006/relationships" xmlns:p="http://schemas.openxmlformats.org/presentationml/2006/main">
+  <p:cSld>
+    <p:spTree>
+      <p:nvGrpSpPr>
+        <p:cNvPr id="1" name=""/>
+        <p:cNvGrpSpPr/>
+        <p:nvPr/>
+      </p:nvGrpSpPr>
+      <p:grpSpPr>
+        <a:xfrm>
+          <a:off x="0" y="0"/>
+          <a:ext cx="0" cy="0"/>
+          <a:chOff x="0" y="0"/>
+          <a:chExt cx="0" cy="0"/>
+        </a:xfrm>
+      </p:grpSpPr>
+      <p:pic>
+        <p:nvPicPr>
+          <p:cNvPr id="2" name="Picture 1">
+            <a:extLst>
+              <a:ext uri="{FF2B5EF4-FFF2-40B4-BE49-F238E27FC236}">
+                <a16:creationId xmlns:a16="http://schemas.microsoft.com/office/drawing/2014/main" id="{07CA4C9C-0CF4-4106-84AC-AAABA12B33F8}"/>
+              </a:ext>
+            </a:extLst>
+          </p:cNvPr>
+          <p:cNvPicPr>
+            <a:picLocks noChangeAspect="1"/>
+          </p:cNvPicPr>
+          <p:nvPr/>
+        </p:nvPicPr>
+        <p:blipFill>
+          <a:blip r:embed="rId2"/>
+          <a:stretch>
+            <a:fillRect/>
+          </a:stretch>
+        </p:blipFill>
+        <p:spPr>
+          <a:xfrm>
+            <a:off x="0" y="130175"/>
+            <a:ext cx="12192000" cy="6597650"/>
+          </a:xfrm>
+          <a:prstGeom prst="rect">
+            <a:avLst/>
+          </a:prstGeom>
+        </p:spPr>
+      </p:pic>
+      <p:sp>
+        <p:nvSpPr>
+          <p:cNvPr id="3" name="Rectangle: Rounded Corners 2">
+            <a:extLst>
+              <a:ext uri="{FF2B5EF4-FFF2-40B4-BE49-F238E27FC236}">
+                <a16:creationId xmlns:a16="http://schemas.microsoft.com/office/drawing/2014/main" id="{7ED3F4DE-C2FF-4897-9CD3-8AC84465ECD5}"/>
+              </a:ext>
+            </a:extLst>
+          </p:cNvPr>
+          <p:cNvSpPr/>
+          <p:nvPr/>
+        </p:nvSpPr>
+        <p:spPr>
+          <a:xfrm>
+            <a:off x="18472" y="1990178"/>
+            <a:ext cx="250970" cy="251023"/>
+          </a:xfrm>
+          <a:prstGeom prst="roundRect">
+            <a:avLst/>
+          </a:prstGeom>
+          <a:noFill/>
+          <a:ln w="57150">
+            <a:solidFill>
+              <a:srgbClr val="C00000"/>
+            </a:solidFill>
+          </a:ln>
+        </p:spPr>
+        <p:style>
+          <a:lnRef idx="2">
+            <a:schemeClr val="accent1">
+              <a:shade val="50000"/>
+            </a:schemeClr>
+          </a:lnRef>
+          <a:fillRef idx="1">
+            <a:schemeClr val="accent1"/>
+          </a:fillRef>
+          <a:effectRef idx="0">
+            <a:schemeClr val="accent1"/>
+          </a:effectRef>
+          <a:fontRef idx="minor">
+            <a:schemeClr val="lt1"/>
+          </a:fontRef>
+        </p:style>
+        <p:txBody>
+          <a:bodyPr rtlCol="0" anchor="ctr"/>
+          <a:lstStyle/>
+          <a:p>
+            <a:pPr algn="ctr"/>
+            <a:endParaRPr lang="en-GB" dirty="0"/>
+          </a:p>
+        </p:txBody>
+      </p:sp>
+      <p:sp>
+        <p:nvSpPr>
+          <p:cNvPr id="4" name="TextBox 3">
+            <a:extLst>
+              <a:ext uri="{FF2B5EF4-FFF2-40B4-BE49-F238E27FC236}">
+                <a16:creationId xmlns:a16="http://schemas.microsoft.com/office/drawing/2014/main" id="{3016D48C-5172-4D57-ABFE-1E2EA0D00EDE}"/>
+              </a:ext>
+            </a:extLst>
+          </p:cNvPr>
+          <p:cNvSpPr txBox="1"/>
+          <p:nvPr/>
+        </p:nvSpPr>
+        <p:spPr>
+          <a:xfrm>
+            <a:off x="504846" y="2462886"/>
+            <a:ext cx="2142310" cy="626701"/>
+          </a:xfrm>
+          <a:prstGeom prst="rect">
+            <a:avLst/>
+          </a:prstGeom>
+          <a:solidFill>
+            <a:schemeClr val="tx1">
+              <a:alpha val="77000"/>
+            </a:schemeClr>
+          </a:solidFill>
+        </p:spPr>
+        <p:txBody>
+          <a:bodyPr wrap="square" lIns="36000" tIns="36000" rIns="36000" bIns="36000" rtlCol="0">
+            <a:spAutoFit/>
+          </a:bodyPr>
+          <a:lstStyle/>
+          <a:p>
+            <a:r>
+              <a:rPr lang="en-GB" dirty="0">
+                <a:solidFill>
+                  <a:schemeClr val="bg1"/>
+                </a:solidFill>
+              </a:rPr>
+              <a:t>You can click here to select all data</a:t>
+            </a:r>
+            <a:endParaRPr lang="en-GB" dirty="0">
+              <a:solidFill>
+                <a:schemeClr val="accent4">
+                  <a:lumMod val="20000"/>
+                  <a:lumOff val="80000"/>
+                </a:schemeClr>
+              </a:solidFill>
+            </a:endParaRPr>
+          </a:p>
+        </p:txBody>
+      </p:sp>
+      <p:cxnSp>
+        <p:nvCxnSpPr>
+          <p:cNvPr id="5" name="Straight Arrow Connector 4">
+            <a:extLst>
+              <a:ext uri="{FF2B5EF4-FFF2-40B4-BE49-F238E27FC236}">
+                <a16:creationId xmlns:a16="http://schemas.microsoft.com/office/drawing/2014/main" id="{47FF21E1-8A49-44F6-B65E-DF5A28A872C3}"/>
+              </a:ext>
+            </a:extLst>
+          </p:cNvPr>
+          <p:cNvCxnSpPr>
+            <a:cxnSpLocks/>
+          </p:cNvCxnSpPr>
+          <p:nvPr/>
+        </p:nvCxnSpPr>
+        <p:spPr>
+          <a:xfrm flipH="1" flipV="1">
+            <a:off x="360219" y="2133601"/>
+            <a:ext cx="212436" cy="212435"/>
+          </a:xfrm>
+          <a:prstGeom prst="straightConnector1">
+            <a:avLst/>
+          </a:prstGeom>
+          <a:ln w="38100">
+            <a:solidFill>
+              <a:srgbClr val="C00000"/>
+            </a:solidFill>
+            <a:tailEnd type="triangle"/>
+          </a:ln>
+        </p:spPr>
+        <p:style>
+          <a:lnRef idx="1">
+            <a:schemeClr val="accent1"/>
+          </a:lnRef>
+          <a:fillRef idx="0">
+            <a:schemeClr val="accent1"/>
+          </a:fillRef>
+          <a:effectRef idx="0">
+            <a:schemeClr val="accent1"/>
+          </a:effectRef>
+          <a:fontRef idx="minor">
+            <a:schemeClr val="tx1"/>
+          </a:fontRef>
+        </p:style>
+      </p:cxnSp>
+      <p:sp>
+        <p:nvSpPr>
+          <p:cNvPr id="8" name="Rectangle: Rounded Corners 7">
+            <a:extLst>
+              <a:ext uri="{FF2B5EF4-FFF2-40B4-BE49-F238E27FC236}">
+                <a16:creationId xmlns:a16="http://schemas.microsoft.com/office/drawing/2014/main" id="{9E516663-0D28-4822-9C81-831B0886E9F2}"/>
+              </a:ext>
+            </a:extLst>
+          </p:cNvPr>
+          <p:cNvSpPr/>
+          <p:nvPr/>
+        </p:nvSpPr>
+        <p:spPr>
+          <a:xfrm>
+            <a:off x="10021454" y="2838564"/>
+            <a:ext cx="1865746" cy="384927"/>
+          </a:xfrm>
+          <a:prstGeom prst="roundRect">
+            <a:avLst/>
+          </a:prstGeom>
+          <a:noFill/>
+          <a:ln w="57150">
+            <a:solidFill>
+              <a:srgbClr val="C00000"/>
+            </a:solidFill>
+          </a:ln>
+        </p:spPr>
+        <p:style>
+          <a:lnRef idx="2">
+            <a:schemeClr val="accent1">
+              <a:shade val="50000"/>
+            </a:schemeClr>
+          </a:lnRef>
+          <a:fillRef idx="1">
+            <a:schemeClr val="accent1"/>
+          </a:fillRef>
+          <a:effectRef idx="0">
+            <a:schemeClr val="accent1"/>
+          </a:effectRef>
+          <a:fontRef idx="minor">
+            <a:schemeClr val="lt1"/>
+          </a:fontRef>
+        </p:style>
+        <p:txBody>
+          <a:bodyPr rtlCol="0" anchor="ctr"/>
+          <a:lstStyle/>
+          <a:p>
+            <a:pPr algn="ctr"/>
+            <a:endParaRPr lang="en-GB" dirty="0"/>
+          </a:p>
+        </p:txBody>
+      </p:sp>
+    </p:spTree>
+    <p:extLst>
+      <p:ext uri="{BB962C8B-B14F-4D97-AF65-F5344CB8AC3E}">
+        <p14:creationId xmlns:p14="http://schemas.microsoft.com/office/powerpoint/2010/main" val="1195573298"/>
+      </p:ext>
+    </p:extLst>
+  </p:cSld>
+  <p:clrMapOvr>
+    <a:masterClrMapping/>
+  </p:clrMapOvr>
+</p:sld>
+</file>
+
+<file path=ppt/slides/slide13.xml><?xml version="1.0" encoding="utf-8"?>
+<p:sld xmlns:a="http://schemas.openxmlformats.org/drawingml/2006/main" xmlns:r="http://schemas.openxmlformats.org/officeDocument/2006/relationships" xmlns:p="http://schemas.openxmlformats.org/presentationml/2006/main">
+  <p:cSld>
+    <p:spTree>
+      <p:nvGrpSpPr>
+        <p:cNvPr id="1" name=""/>
+        <p:cNvGrpSpPr/>
+        <p:nvPr/>
+      </p:nvGrpSpPr>
+      <p:grpSpPr>
+        <a:xfrm>
+          <a:off x="0" y="0"/>
+          <a:ext cx="0" cy="0"/>
+          <a:chOff x="0" y="0"/>
+          <a:chExt cx="0" cy="0"/>
+        </a:xfrm>
+      </p:grpSpPr>
+      <p:pic>
+        <p:nvPicPr>
+          <p:cNvPr id="2" name="Picture 1">
+            <a:extLst>
+              <a:ext uri="{FF2B5EF4-FFF2-40B4-BE49-F238E27FC236}">
+                <a16:creationId xmlns:a16="http://schemas.microsoft.com/office/drawing/2014/main" id="{6131D52F-27B4-4644-AFCA-EC133E1F3C37}"/>
+              </a:ext>
+            </a:extLst>
+          </p:cNvPr>
+          <p:cNvPicPr>
+            <a:picLocks noChangeAspect="1"/>
+          </p:cNvPicPr>
+          <p:nvPr/>
+        </p:nvPicPr>
+        <p:blipFill>
+          <a:blip r:embed="rId2"/>
+          <a:stretch>
+            <a:fillRect/>
+          </a:stretch>
+        </p:blipFill>
+        <p:spPr>
+          <a:xfrm>
+            <a:off x="1953960" y="0"/>
+            <a:ext cx="8284079" cy="6858000"/>
+          </a:xfrm>
+          <a:prstGeom prst="rect">
+            <a:avLst/>
+          </a:prstGeom>
+        </p:spPr>
+      </p:pic>
+      <p:pic>
+        <p:nvPicPr>
+          <p:cNvPr id="3" name="Picture 2">
+            <a:extLst>
+              <a:ext uri="{FF2B5EF4-FFF2-40B4-BE49-F238E27FC236}">
+                <a16:creationId xmlns:a16="http://schemas.microsoft.com/office/drawing/2014/main" id="{2991D791-C740-498B-BBA6-1031070C3178}"/>
+              </a:ext>
+            </a:extLst>
+          </p:cNvPr>
+          <p:cNvPicPr>
+            <a:picLocks noChangeAspect="1"/>
+          </p:cNvPicPr>
+          <p:nvPr/>
+        </p:nvPicPr>
+        <p:blipFill>
+          <a:blip r:embed="rId3"/>
+          <a:stretch>
+            <a:fillRect/>
+          </a:stretch>
+        </p:blipFill>
+        <p:spPr>
+          <a:xfrm>
+            <a:off x="5831609" y="2771199"/>
+            <a:ext cx="5372100" cy="1971675"/>
+          </a:xfrm>
+          <a:prstGeom prst="rect">
+            <a:avLst/>
+          </a:prstGeom>
+        </p:spPr>
+      </p:pic>
+      <p:sp>
+        <p:nvSpPr>
+          <p:cNvPr id="5" name="Rectangle: Rounded Corners 4">
+            <a:extLst>
+              <a:ext uri="{FF2B5EF4-FFF2-40B4-BE49-F238E27FC236}">
+                <a16:creationId xmlns:a16="http://schemas.microsoft.com/office/drawing/2014/main" id="{EA3662A8-68B2-4226-83B0-E72C6372BAD5}"/>
+              </a:ext>
+            </a:extLst>
+          </p:cNvPr>
+          <p:cNvSpPr/>
+          <p:nvPr/>
+        </p:nvSpPr>
+        <p:spPr>
+          <a:xfrm>
+            <a:off x="6522748" y="1781121"/>
+            <a:ext cx="2990706" cy="334006"/>
+          </a:xfrm>
+          <a:prstGeom prst="roundRect">
+            <a:avLst/>
+          </a:prstGeom>
+          <a:noFill/>
+          <a:ln w="57150">
+            <a:solidFill>
+              <a:srgbClr val="C00000"/>
+            </a:solidFill>
+          </a:ln>
+        </p:spPr>
+        <p:style>
+          <a:lnRef idx="2">
+            <a:schemeClr val="accent1">
+              <a:shade val="50000"/>
+            </a:schemeClr>
+          </a:lnRef>
+          <a:fillRef idx="1">
+            <a:schemeClr val="accent1"/>
+          </a:fillRef>
+          <a:effectRef idx="0">
+            <a:schemeClr val="accent1"/>
+          </a:effectRef>
+          <a:fontRef idx="minor">
+            <a:schemeClr val="lt1"/>
+          </a:fontRef>
+        </p:style>
+        <p:txBody>
+          <a:bodyPr rtlCol="0" anchor="ctr"/>
+          <a:lstStyle/>
+          <a:p>
+            <a:pPr algn="ctr"/>
+            <a:endParaRPr lang="en-GB" dirty="0"/>
+          </a:p>
+        </p:txBody>
+      </p:sp>
+    </p:spTree>
+    <p:extLst>
+      <p:ext uri="{BB962C8B-B14F-4D97-AF65-F5344CB8AC3E}">
+        <p14:creationId xmlns:p14="http://schemas.microsoft.com/office/powerpoint/2010/main" val="948588424"/>
+      </p:ext>
+    </p:extLst>
+  </p:cSld>
+  <p:clrMapOvr>
+    <a:masterClrMapping/>
+  </p:clrMapOvr>
+</p:sld>
+</file>
+
+<file path=ppt/slides/slide14.xml><?xml version="1.0" encoding="utf-8"?>
+<p:sld xmlns:a="http://schemas.openxmlformats.org/drawingml/2006/main" xmlns:r="http://schemas.openxmlformats.org/officeDocument/2006/relationships" xmlns:p="http://schemas.openxmlformats.org/presentationml/2006/main">
+  <p:cSld>
+    <p:spTree>
+      <p:nvGrpSpPr>
+        <p:cNvPr id="1" name=""/>
+        <p:cNvGrpSpPr/>
+        <p:nvPr/>
+      </p:nvGrpSpPr>
+      <p:grpSpPr>
+        <a:xfrm>
+          <a:off x="0" y="0"/>
+          <a:ext cx="0" cy="0"/>
+          <a:chOff x="0" y="0"/>
+          <a:chExt cx="0" cy="0"/>
+        </a:xfrm>
+      </p:grpSpPr>
+      <p:pic>
+        <p:nvPicPr>
+          <p:cNvPr id="2" name="Picture 1">
+            <a:extLst>
+              <a:ext uri="{FF2B5EF4-FFF2-40B4-BE49-F238E27FC236}">
+                <a16:creationId xmlns:a16="http://schemas.microsoft.com/office/drawing/2014/main" id="{2313B1F6-0C57-4047-9155-E972EB800AAD}"/>
+              </a:ext>
+            </a:extLst>
+          </p:cNvPr>
+          <p:cNvPicPr>
+            <a:picLocks noChangeAspect="1"/>
+          </p:cNvPicPr>
+          <p:nvPr/>
+        </p:nvPicPr>
+        <p:blipFill>
+          <a:blip r:embed="rId2"/>
+          <a:stretch>
+            <a:fillRect/>
+          </a:stretch>
+        </p:blipFill>
+        <p:spPr>
+          <a:xfrm>
+            <a:off x="0" y="130175"/>
+            <a:ext cx="12192000" cy="6597650"/>
+          </a:xfrm>
+          <a:prstGeom prst="rect">
+            <a:avLst/>
+          </a:prstGeom>
+        </p:spPr>
+      </p:pic>
+      <p:sp>
+        <p:nvSpPr>
+          <p:cNvPr id="3" name="Rectangle: Rounded Corners 2">
+            <a:extLst>
+              <a:ext uri="{FF2B5EF4-FFF2-40B4-BE49-F238E27FC236}">
+                <a16:creationId xmlns:a16="http://schemas.microsoft.com/office/drawing/2014/main" id="{635DF909-322B-48CD-9F19-15B96267AD04}"/>
+              </a:ext>
+            </a:extLst>
+          </p:cNvPr>
+          <p:cNvSpPr/>
+          <p:nvPr/>
+        </p:nvSpPr>
+        <p:spPr>
+          <a:xfrm>
+            <a:off x="1154544" y="6243782"/>
+            <a:ext cx="720438" cy="277091"/>
+          </a:xfrm>
+          <a:prstGeom prst="roundRect">
+            <a:avLst/>
+          </a:prstGeom>
+          <a:noFill/>
+          <a:ln w="57150">
+            <a:solidFill>
+              <a:srgbClr val="C00000"/>
+            </a:solidFill>
+          </a:ln>
+        </p:spPr>
+        <p:style>
+          <a:lnRef idx="2">
+            <a:schemeClr val="accent1">
+              <a:shade val="50000"/>
+            </a:schemeClr>
+          </a:lnRef>
+          <a:fillRef idx="1">
+            <a:schemeClr val="accent1"/>
+          </a:fillRef>
+          <a:effectRef idx="0">
+            <a:schemeClr val="accent1"/>
+          </a:effectRef>
+          <a:fontRef idx="minor">
+            <a:schemeClr val="lt1"/>
+          </a:fontRef>
+        </p:style>
+        <p:txBody>
+          <a:bodyPr rtlCol="0" anchor="ctr"/>
+          <a:lstStyle/>
+          <a:p>
+            <a:pPr algn="ctr"/>
+            <a:endParaRPr lang="en-GB" dirty="0"/>
+          </a:p>
+        </p:txBody>
+      </p:sp>
+      <p:sp>
+        <p:nvSpPr>
+          <p:cNvPr id="4" name="Rectangle: Rounded Corners 3">
+            <a:extLst>
+              <a:ext uri="{FF2B5EF4-FFF2-40B4-BE49-F238E27FC236}">
+                <a16:creationId xmlns:a16="http://schemas.microsoft.com/office/drawing/2014/main" id="{7FB071F6-7E22-44E5-9C7F-12186BDE55C2}"/>
+              </a:ext>
+            </a:extLst>
+          </p:cNvPr>
+          <p:cNvSpPr/>
+          <p:nvPr/>
+        </p:nvSpPr>
+        <p:spPr>
+          <a:xfrm>
+            <a:off x="10049164" y="2826327"/>
+            <a:ext cx="1856509" cy="387928"/>
+          </a:xfrm>
+          <a:prstGeom prst="roundRect">
+            <a:avLst/>
+          </a:prstGeom>
+          <a:noFill/>
+          <a:ln w="57150">
+            <a:solidFill>
+              <a:srgbClr val="C00000"/>
+            </a:solidFill>
+          </a:ln>
+        </p:spPr>
+        <p:style>
+          <a:lnRef idx="2">
+            <a:schemeClr val="accent1">
+              <a:shade val="50000"/>
+            </a:schemeClr>
+          </a:lnRef>
+          <a:fillRef idx="1">
+            <a:schemeClr val="accent1"/>
+          </a:fillRef>
+          <a:effectRef idx="0">
+            <a:schemeClr val="accent1"/>
+          </a:effectRef>
+          <a:fontRef idx="minor">
+            <a:schemeClr val="lt1"/>
+          </a:fontRef>
+        </p:style>
+        <p:txBody>
+          <a:bodyPr rtlCol="0" anchor="ctr"/>
+          <a:lstStyle/>
+          <a:p>
+            <a:pPr algn="ctr"/>
+            <a:endParaRPr lang="en-GB" dirty="0"/>
+          </a:p>
+        </p:txBody>
+      </p:sp>
+    </p:spTree>
+    <p:extLst>
+      <p:ext uri="{BB962C8B-B14F-4D97-AF65-F5344CB8AC3E}">
+        <p14:creationId xmlns:p14="http://schemas.microsoft.com/office/powerpoint/2010/main" val="2583721842"/>
+      </p:ext>
+    </p:extLst>
+  </p:cSld>
+  <p:clrMapOvr>
+    <a:masterClrMapping/>
+  </p:clrMapOvr>
+</p:sld>
+</file>
+
+<file path=ppt/slides/slide15.xml><?xml version="1.0" encoding="utf-8"?>
+<p:sld xmlns:a="http://schemas.openxmlformats.org/drawingml/2006/main" xmlns:r="http://schemas.openxmlformats.org/officeDocument/2006/relationships" xmlns:p="http://schemas.openxmlformats.org/presentationml/2006/main">
+  <p:cSld>
+    <p:spTree>
+      <p:nvGrpSpPr>
+        <p:cNvPr id="1" name=""/>
+        <p:cNvGrpSpPr/>
+        <p:nvPr/>
+      </p:nvGrpSpPr>
+      <p:grpSpPr>
+        <a:xfrm>
+          <a:off x="0" y="0"/>
+          <a:ext cx="0" cy="0"/>
+          <a:chOff x="0" y="0"/>
+          <a:chExt cx="0" cy="0"/>
+        </a:xfrm>
+      </p:grpSpPr>
+      <p:pic>
+        <p:nvPicPr>
+          <p:cNvPr id="3" name="Picture 2">
+            <a:extLst>
+              <a:ext uri="{FF2B5EF4-FFF2-40B4-BE49-F238E27FC236}">
+                <a16:creationId xmlns:a16="http://schemas.microsoft.com/office/drawing/2014/main" id="{86B045F3-4559-4022-9D3E-502512AFFF56}"/>
+              </a:ext>
+            </a:extLst>
+          </p:cNvPr>
+          <p:cNvPicPr>
+            <a:picLocks noChangeAspect="1"/>
+          </p:cNvPicPr>
+          <p:nvPr/>
+        </p:nvPicPr>
+        <p:blipFill>
+          <a:blip r:embed="rId2"/>
+          <a:stretch>
+            <a:fillRect/>
+          </a:stretch>
+        </p:blipFill>
+        <p:spPr>
+          <a:xfrm>
+            <a:off x="1953960" y="0"/>
+            <a:ext cx="8284079" cy="6858000"/>
+          </a:xfrm>
+          <a:prstGeom prst="rect">
+            <a:avLst/>
+          </a:prstGeom>
+        </p:spPr>
+      </p:pic>
+      <p:sp>
+        <p:nvSpPr>
+          <p:cNvPr id="6" name="Rectangle: Rounded Corners 5">
+            <a:extLst>
+              <a:ext uri="{FF2B5EF4-FFF2-40B4-BE49-F238E27FC236}">
+                <a16:creationId xmlns:a16="http://schemas.microsoft.com/office/drawing/2014/main" id="{DCD297E9-962C-4C6F-A128-4DAD3128C7C7}"/>
+              </a:ext>
+            </a:extLst>
+          </p:cNvPr>
+          <p:cNvSpPr/>
+          <p:nvPr/>
+        </p:nvSpPr>
+        <p:spPr>
+          <a:xfrm>
+            <a:off x="6531985" y="1467084"/>
+            <a:ext cx="2990706" cy="334006"/>
+          </a:xfrm>
+          <a:prstGeom prst="roundRect">
+            <a:avLst/>
+          </a:prstGeom>
+          <a:noFill/>
+          <a:ln w="57150">
+            <a:solidFill>
+              <a:srgbClr val="C00000"/>
+            </a:solidFill>
+          </a:ln>
+        </p:spPr>
+        <p:style>
+          <a:lnRef idx="2">
+            <a:schemeClr val="accent1">
+              <a:shade val="50000"/>
+            </a:schemeClr>
+          </a:lnRef>
+          <a:fillRef idx="1">
+            <a:schemeClr val="accent1"/>
+          </a:fillRef>
+          <a:effectRef idx="0">
+            <a:schemeClr val="accent1"/>
+          </a:effectRef>
+          <a:fontRef idx="minor">
+            <a:schemeClr val="lt1"/>
+          </a:fontRef>
+        </p:style>
+        <p:txBody>
+          <a:bodyPr rtlCol="0" anchor="ctr"/>
+          <a:lstStyle/>
+          <a:p>
+            <a:pPr algn="ctr"/>
+            <a:endParaRPr lang="en-GB" dirty="0"/>
+          </a:p>
+        </p:txBody>
+      </p:sp>
+    </p:spTree>
+    <p:extLst>
+      <p:ext uri="{BB962C8B-B14F-4D97-AF65-F5344CB8AC3E}">
+        <p14:creationId xmlns:p14="http://schemas.microsoft.com/office/powerpoint/2010/main" val="809036595"/>
+      </p:ext>
+    </p:extLst>
+  </p:cSld>
+  <p:clrMapOvr>
+    <a:masterClrMapping/>
+  </p:clrMapOvr>
+</p:sld>
+</file>
+
+<file path=ppt/slides/slide16.xml><?xml version="1.0" encoding="utf-8"?>
+<p:sld xmlns:a="http://schemas.openxmlformats.org/drawingml/2006/main" xmlns:r="http://schemas.openxmlformats.org/officeDocument/2006/relationships" xmlns:p="http://schemas.openxmlformats.org/presentationml/2006/main">
+  <p:cSld>
+    <p:spTree>
+      <p:nvGrpSpPr>
+        <p:cNvPr id="1" name=""/>
+        <p:cNvGrpSpPr/>
+        <p:nvPr/>
+      </p:nvGrpSpPr>
+      <p:grpSpPr>
+        <a:xfrm>
+          <a:off x="0" y="0"/>
+          <a:ext cx="0" cy="0"/>
+          <a:chOff x="0" y="0"/>
+          <a:chExt cx="0" cy="0"/>
+        </a:xfrm>
+      </p:grpSpPr>
+      <p:pic>
+        <p:nvPicPr>
+          <p:cNvPr id="2" name="Picture 1">
+            <a:extLst>
+              <a:ext uri="{FF2B5EF4-FFF2-40B4-BE49-F238E27FC236}">
+                <a16:creationId xmlns:a16="http://schemas.microsoft.com/office/drawing/2014/main" id="{728417FE-F505-481E-85DD-68E2C6AB8040}"/>
+              </a:ext>
+            </a:extLst>
+          </p:cNvPr>
+          <p:cNvPicPr>
+            <a:picLocks noChangeAspect="1"/>
+          </p:cNvPicPr>
+          <p:nvPr/>
+        </p:nvPicPr>
+        <p:blipFill>
+          <a:blip r:embed="rId2"/>
+          <a:stretch>
+            <a:fillRect/>
+          </a:stretch>
+        </p:blipFill>
+        <p:spPr>
+          <a:xfrm>
+            <a:off x="0" y="130175"/>
+            <a:ext cx="12192000" cy="6597650"/>
+          </a:xfrm>
+          <a:prstGeom prst="rect">
+            <a:avLst/>
+          </a:prstGeom>
+        </p:spPr>
+      </p:pic>
+      <p:sp>
+        <p:nvSpPr>
+          <p:cNvPr id="3" name="Rectangle: Rounded Corners 2">
+            <a:extLst>
+              <a:ext uri="{FF2B5EF4-FFF2-40B4-BE49-F238E27FC236}">
+                <a16:creationId xmlns:a16="http://schemas.microsoft.com/office/drawing/2014/main" id="{2D915223-DAE2-4640-BA56-2A0345614CDB}"/>
+              </a:ext>
+            </a:extLst>
+          </p:cNvPr>
+          <p:cNvSpPr/>
+          <p:nvPr/>
+        </p:nvSpPr>
+        <p:spPr>
+          <a:xfrm>
+            <a:off x="1754908" y="6243782"/>
+            <a:ext cx="1099128" cy="295563"/>
+          </a:xfrm>
+          <a:prstGeom prst="roundRect">
+            <a:avLst/>
+          </a:prstGeom>
+          <a:noFill/>
+          <a:ln w="57150">
+            <a:solidFill>
+              <a:srgbClr val="C00000"/>
+            </a:solidFill>
+          </a:ln>
+        </p:spPr>
+        <p:style>
+          <a:lnRef idx="2">
+            <a:schemeClr val="accent1">
+              <a:shade val="50000"/>
+            </a:schemeClr>
+          </a:lnRef>
+          <a:fillRef idx="1">
+            <a:schemeClr val="accent1"/>
+          </a:fillRef>
+          <a:effectRef idx="0">
+            <a:schemeClr val="accent1"/>
+          </a:effectRef>
+          <a:fontRef idx="minor">
+            <a:schemeClr val="lt1"/>
+          </a:fontRef>
+        </p:style>
+        <p:txBody>
+          <a:bodyPr rtlCol="0" anchor="ctr"/>
+          <a:lstStyle/>
+          <a:p>
+            <a:pPr algn="ctr"/>
+            <a:endParaRPr lang="en-GB" dirty="0"/>
+          </a:p>
+        </p:txBody>
+      </p:sp>
+      <p:sp>
+        <p:nvSpPr>
+          <p:cNvPr id="4" name="Rectangle: Rounded Corners 3">
+            <a:extLst>
+              <a:ext uri="{FF2B5EF4-FFF2-40B4-BE49-F238E27FC236}">
+                <a16:creationId xmlns:a16="http://schemas.microsoft.com/office/drawing/2014/main" id="{10F76350-A555-4B21-9787-D66AB92BE0B7}"/>
+              </a:ext>
+            </a:extLst>
+          </p:cNvPr>
+          <p:cNvSpPr/>
+          <p:nvPr/>
+        </p:nvSpPr>
+        <p:spPr>
+          <a:xfrm>
+            <a:off x="10049164" y="2826327"/>
+            <a:ext cx="1856509" cy="387928"/>
+          </a:xfrm>
+          <a:prstGeom prst="roundRect">
+            <a:avLst/>
+          </a:prstGeom>
+          <a:noFill/>
+          <a:ln w="57150">
+            <a:solidFill>
+              <a:srgbClr val="C00000"/>
+            </a:solidFill>
+          </a:ln>
+        </p:spPr>
+        <p:style>
+          <a:lnRef idx="2">
+            <a:schemeClr val="accent1">
+              <a:shade val="50000"/>
+            </a:schemeClr>
+          </a:lnRef>
+          <a:fillRef idx="1">
+            <a:schemeClr val="accent1"/>
+          </a:fillRef>
+          <a:effectRef idx="0">
+            <a:schemeClr val="accent1"/>
+          </a:effectRef>
+          <a:fontRef idx="minor">
+            <a:schemeClr val="lt1"/>
+          </a:fontRef>
+        </p:style>
+        <p:txBody>
+          <a:bodyPr rtlCol="0" anchor="ctr"/>
+          <a:lstStyle/>
+          <a:p>
+            <a:pPr algn="ctr"/>
+            <a:endParaRPr lang="en-GB" dirty="0"/>
+          </a:p>
+        </p:txBody>
+      </p:sp>
+      <p:pic>
+        <p:nvPicPr>
+          <p:cNvPr id="5" name="Picture 4">
+            <a:extLst>
+              <a:ext uri="{FF2B5EF4-FFF2-40B4-BE49-F238E27FC236}">
+                <a16:creationId xmlns:a16="http://schemas.microsoft.com/office/drawing/2014/main" id="{BF014134-CCEE-4214-8652-EAF599974509}"/>
+              </a:ext>
+            </a:extLst>
+          </p:cNvPr>
+          <p:cNvPicPr>
+            <a:picLocks noChangeAspect="1"/>
+          </p:cNvPicPr>
+          <p:nvPr/>
+        </p:nvPicPr>
+        <p:blipFill>
+          <a:blip r:embed="rId3"/>
+          <a:stretch>
+            <a:fillRect/>
+          </a:stretch>
+        </p:blipFill>
+        <p:spPr>
+          <a:xfrm>
+            <a:off x="152400" y="280416"/>
+            <a:ext cx="12192000" cy="6601968"/>
+          </a:xfrm>
+          <a:prstGeom prst="rect">
+            <a:avLst/>
+          </a:prstGeom>
+        </p:spPr>
+      </p:pic>
+    </p:spTree>
+    <p:extLst>
+      <p:ext uri="{BB962C8B-B14F-4D97-AF65-F5344CB8AC3E}">
+        <p14:creationId xmlns:p14="http://schemas.microsoft.com/office/powerpoint/2010/main" val="3721958795"/>
+      </p:ext>
+    </p:extLst>
+  </p:cSld>
+  <p:clrMapOvr>
+    <a:masterClrMapping/>
+  </p:clrMapOvr>
+</p:sld>
+</file>
+
+<file path=ppt/slides/slide17.xml><?xml version="1.0" encoding="utf-8"?>
+<p:sld xmlns:a="http://schemas.openxmlformats.org/drawingml/2006/main" xmlns:r="http://schemas.openxmlformats.org/officeDocument/2006/relationships" xmlns:p="http://schemas.openxmlformats.org/presentationml/2006/main">
+  <p:cSld>
+    <p:spTree>
+      <p:nvGrpSpPr>
+        <p:cNvPr id="1" name=""/>
+        <p:cNvGrpSpPr/>
+        <p:nvPr/>
+      </p:nvGrpSpPr>
+      <p:grpSpPr>
+        <a:xfrm>
+          <a:off x="0" y="0"/>
+          <a:ext cx="0" cy="0"/>
+          <a:chOff x="0" y="0"/>
+          <a:chExt cx="0" cy="0"/>
+        </a:xfrm>
+      </p:grpSpPr>
+      <p:pic>
+        <p:nvPicPr>
+          <p:cNvPr id="2" name="Picture 1">
+            <a:extLst>
+              <a:ext uri="{FF2B5EF4-FFF2-40B4-BE49-F238E27FC236}">
+                <a16:creationId xmlns:a16="http://schemas.microsoft.com/office/drawing/2014/main" id="{82420648-6955-48A7-8C6C-C6BD3867F394}"/>
+              </a:ext>
+            </a:extLst>
+          </p:cNvPr>
+          <p:cNvPicPr>
+            <a:picLocks noChangeAspect="1"/>
+          </p:cNvPicPr>
+          <p:nvPr/>
+        </p:nvPicPr>
+        <p:blipFill>
+          <a:blip r:embed="rId2"/>
+          <a:stretch>
+            <a:fillRect/>
+          </a:stretch>
+        </p:blipFill>
+        <p:spPr>
+          <a:xfrm>
+            <a:off x="1953960" y="0"/>
+            <a:ext cx="8284079" cy="6858000"/>
+          </a:xfrm>
+          <a:prstGeom prst="rect">
+            <a:avLst/>
+          </a:prstGeom>
+        </p:spPr>
+      </p:pic>
+      <p:sp>
+        <p:nvSpPr>
+          <p:cNvPr id="3" name="Rectangle: Rounded Corners 2">
+            <a:extLst>
+              <a:ext uri="{FF2B5EF4-FFF2-40B4-BE49-F238E27FC236}">
+                <a16:creationId xmlns:a16="http://schemas.microsoft.com/office/drawing/2014/main" id="{3866B6EC-0982-4246-86C9-46C52223EDCB}"/>
+              </a:ext>
+            </a:extLst>
+          </p:cNvPr>
+          <p:cNvSpPr/>
+          <p:nvPr/>
+        </p:nvSpPr>
+        <p:spPr>
+          <a:xfrm>
+            <a:off x="6531985" y="1467084"/>
+            <a:ext cx="2990706" cy="334006"/>
+          </a:xfrm>
+          <a:prstGeom prst="roundRect">
+            <a:avLst/>
+          </a:prstGeom>
+          <a:noFill/>
+          <a:ln w="57150">
+            <a:solidFill>
+              <a:srgbClr val="C00000"/>
+            </a:solidFill>
+          </a:ln>
+        </p:spPr>
+        <p:style>
+          <a:lnRef idx="2">
+            <a:schemeClr val="accent1">
+              <a:shade val="50000"/>
+            </a:schemeClr>
+          </a:lnRef>
+          <a:fillRef idx="1">
+            <a:schemeClr val="accent1"/>
+          </a:fillRef>
+          <a:effectRef idx="0">
+            <a:schemeClr val="accent1"/>
+          </a:effectRef>
+          <a:fontRef idx="minor">
+            <a:schemeClr val="lt1"/>
+          </a:fontRef>
+        </p:style>
+        <p:txBody>
+          <a:bodyPr rtlCol="0" anchor="ctr"/>
+          <a:lstStyle/>
+          <a:p>
+            <a:pPr algn="ctr"/>
+            <a:endParaRPr lang="en-GB" dirty="0"/>
+          </a:p>
+        </p:txBody>
+      </p:sp>
+    </p:spTree>
+    <p:extLst>
+      <p:ext uri="{BB962C8B-B14F-4D97-AF65-F5344CB8AC3E}">
+        <p14:creationId xmlns:p14="http://schemas.microsoft.com/office/powerpoint/2010/main" val="3444035722"/>
+      </p:ext>
+    </p:extLst>
+  </p:cSld>
+  <p:clrMapOvr>
+    <a:masterClrMapping/>
+  </p:clrMapOvr>
+</p:sld>
+</file>
+
+<file path=ppt/slides/slide18.xml><?xml version="1.0" encoding="utf-8"?>
+<p:sld xmlns:a="http://schemas.openxmlformats.org/drawingml/2006/main" xmlns:r="http://schemas.openxmlformats.org/officeDocument/2006/relationships" xmlns:p="http://schemas.openxmlformats.org/presentationml/2006/main">
+  <p:cSld>
+    <p:spTree>
+      <p:nvGrpSpPr>
+        <p:cNvPr id="1" name=""/>
+        <p:cNvGrpSpPr/>
+        <p:nvPr/>
+      </p:nvGrpSpPr>
+      <p:grpSpPr>
+        <a:xfrm>
+          <a:off x="0" y="0"/>
+          <a:ext cx="0" cy="0"/>
+          <a:chOff x="0" y="0"/>
+          <a:chExt cx="0" cy="0"/>
+        </a:xfrm>
+      </p:grpSpPr>
+      <p:pic>
+        <p:nvPicPr>
+          <p:cNvPr id="2" name="Picture 1">
+            <a:extLst>
+              <a:ext uri="{FF2B5EF4-FFF2-40B4-BE49-F238E27FC236}">
+                <a16:creationId xmlns:a16="http://schemas.microsoft.com/office/drawing/2014/main" id="{891097F6-66DC-4076-8B0C-78ABA015EBC7}"/>
+              </a:ext>
+            </a:extLst>
+          </p:cNvPr>
+          <p:cNvPicPr>
+            <a:picLocks noChangeAspect="1"/>
+          </p:cNvPicPr>
+          <p:nvPr/>
+        </p:nvPicPr>
+        <p:blipFill>
+          <a:blip r:embed="rId2">
+            <a:extLst>
+              <a:ext uri="{28A0092B-C50C-407E-A947-70E740481C1C}">
+                <a14:useLocalDpi xmlns:a14="http://schemas.microsoft.com/office/drawing/2010/main" val="0"/>
+              </a:ext>
+            </a:extLst>
+          </a:blip>
+          <a:stretch>
+            <a:fillRect/>
+          </a:stretch>
+        </p:blipFill>
+        <p:spPr>
+          <a:xfrm>
+            <a:off x="2390775" y="76200"/>
+            <a:ext cx="7410450" cy="6705599"/>
+          </a:xfrm>
+          <a:prstGeom prst="rect">
+            <a:avLst/>
+          </a:prstGeom>
+        </p:spPr>
+      </p:pic>
+      <p:sp>
+        <p:nvSpPr>
+          <p:cNvPr id="3" name="Rectangle: Rounded Corners 2">
+            <a:extLst>
+              <a:ext uri="{FF2B5EF4-FFF2-40B4-BE49-F238E27FC236}">
+                <a16:creationId xmlns:a16="http://schemas.microsoft.com/office/drawing/2014/main" id="{90FC197C-7CBC-4511-B7D0-11D3A665503E}"/>
+              </a:ext>
+            </a:extLst>
+          </p:cNvPr>
+          <p:cNvSpPr/>
+          <p:nvPr/>
+        </p:nvSpPr>
+        <p:spPr>
+          <a:xfrm>
+            <a:off x="4598845" y="708766"/>
+            <a:ext cx="434974" cy="362653"/>
+          </a:xfrm>
+          <a:prstGeom prst="roundRect">
+            <a:avLst/>
+          </a:prstGeom>
+          <a:noFill/>
+          <a:ln w="57150">
+            <a:solidFill>
+              <a:srgbClr val="C00000"/>
+            </a:solidFill>
+          </a:ln>
+        </p:spPr>
+        <p:style>
+          <a:lnRef idx="2">
+            <a:schemeClr val="accent1">
+              <a:shade val="50000"/>
+            </a:schemeClr>
+          </a:lnRef>
+          <a:fillRef idx="1">
+            <a:schemeClr val="accent1"/>
+          </a:fillRef>
+          <a:effectRef idx="0">
+            <a:schemeClr val="accent1"/>
+          </a:effectRef>
+          <a:fontRef idx="minor">
+            <a:schemeClr val="lt1"/>
+          </a:fontRef>
+        </p:style>
+        <p:txBody>
+          <a:bodyPr rtlCol="0" anchor="ctr"/>
+          <a:lstStyle/>
+          <a:p>
+            <a:pPr algn="ctr"/>
+            <a:endParaRPr lang="en-GB" dirty="0"/>
+          </a:p>
+        </p:txBody>
+      </p:sp>
+      <p:sp>
+        <p:nvSpPr>
+          <p:cNvPr id="4" name="TextBox 3">
+            <a:extLst>
+              <a:ext uri="{FF2B5EF4-FFF2-40B4-BE49-F238E27FC236}">
+                <a16:creationId xmlns:a16="http://schemas.microsoft.com/office/drawing/2014/main" id="{A013D0D8-78BB-4F51-9CBF-3D71008F8AAA}"/>
+              </a:ext>
+            </a:extLst>
+          </p:cNvPr>
+          <p:cNvSpPr txBox="1"/>
+          <p:nvPr/>
+        </p:nvSpPr>
+        <p:spPr>
+          <a:xfrm>
+            <a:off x="4598845" y="1473076"/>
+            <a:ext cx="2469631" cy="1057588"/>
+          </a:xfrm>
+          <a:prstGeom prst="rect">
+            <a:avLst/>
+          </a:prstGeom>
+          <a:solidFill>
+            <a:schemeClr val="tx1">
+              <a:alpha val="77000"/>
+            </a:schemeClr>
+          </a:solidFill>
+        </p:spPr>
+        <p:txBody>
+          <a:bodyPr wrap="square" lIns="36000" tIns="36000" rIns="36000" bIns="36000" rtlCol="0">
+            <a:spAutoFit/>
+          </a:bodyPr>
+          <a:lstStyle/>
+          <a:p>
+            <a:r>
+              <a:rPr lang="en-GB" dirty="0">
+                <a:solidFill>
+                  <a:schemeClr val="bg1"/>
+                </a:solidFill>
+              </a:rPr>
+              <a:t>You should see a list of the imported tables here</a:t>
+            </a:r>
+            <a:br>
+              <a:rPr lang="en-GB" dirty="0">
+                <a:solidFill>
+                  <a:schemeClr val="bg1"/>
+                </a:solidFill>
+              </a:rPr>
+            </a:br>
+            <a:r>
+              <a:rPr lang="en-GB" sz="1400" dirty="0">
+                <a:solidFill>
+                  <a:schemeClr val="accent4">
+                    <a:lumMod val="20000"/>
+                    <a:lumOff val="80000"/>
+                  </a:schemeClr>
+                </a:solidFill>
+              </a:rPr>
+              <a:t>If they do not show you might need to press the refresh button</a:t>
+            </a:r>
+            <a:endParaRPr lang="en-GB" dirty="0">
+              <a:solidFill>
+                <a:schemeClr val="accent4">
+                  <a:lumMod val="20000"/>
+                  <a:lumOff val="80000"/>
+                </a:schemeClr>
+              </a:solidFill>
+            </a:endParaRPr>
+          </a:p>
+        </p:txBody>
+      </p:sp>
+      <p:cxnSp>
+        <p:nvCxnSpPr>
+          <p:cNvPr id="7" name="Straight Arrow Connector 6">
+            <a:extLst>
+              <a:ext uri="{FF2B5EF4-FFF2-40B4-BE49-F238E27FC236}">
+                <a16:creationId xmlns:a16="http://schemas.microsoft.com/office/drawing/2014/main" id="{B06F3AAA-6E6E-435C-BBBE-1FCFB19D513A}"/>
+              </a:ext>
+            </a:extLst>
+          </p:cNvPr>
+          <p:cNvCxnSpPr>
+            <a:cxnSpLocks/>
+          </p:cNvCxnSpPr>
+          <p:nvPr/>
+        </p:nvCxnSpPr>
+        <p:spPr>
+          <a:xfrm flipH="1">
+            <a:off x="4071715" y="2084997"/>
+            <a:ext cx="426394" cy="200779"/>
+          </a:xfrm>
+          <a:prstGeom prst="straightConnector1">
+            <a:avLst/>
+          </a:prstGeom>
+          <a:ln w="38100">
+            <a:solidFill>
+              <a:srgbClr val="C00000"/>
+            </a:solidFill>
+            <a:tailEnd type="triangle"/>
+          </a:ln>
+        </p:spPr>
+        <p:style>
+          <a:lnRef idx="1">
+            <a:schemeClr val="accent1"/>
+          </a:lnRef>
+          <a:fillRef idx="0">
+            <a:schemeClr val="accent1"/>
+          </a:fillRef>
+          <a:effectRef idx="0">
+            <a:schemeClr val="accent1"/>
+          </a:effectRef>
+          <a:fontRef idx="minor">
+            <a:schemeClr val="tx1"/>
+          </a:fontRef>
+        </p:style>
+      </p:cxnSp>
+    </p:spTree>
+    <p:extLst>
+      <p:ext uri="{BB962C8B-B14F-4D97-AF65-F5344CB8AC3E}">
+        <p14:creationId xmlns:p14="http://schemas.microsoft.com/office/powerpoint/2010/main" val="3133138670"/>
       </p:ext>
     </p:extLst>
   </p:cSld>

--- a/devResources/Screenshots - Chris.pptx
+++ b/devResources/Screenshots - Chris.pptx
@@ -23,6 +23,8 @@
     <p:sldId id="271" r:id="rId17"/>
     <p:sldId id="272" r:id="rId18"/>
     <p:sldId id="273" r:id="rId19"/>
+    <p:sldId id="274" r:id="rId20"/>
+    <p:sldId id="275" r:id="rId21"/>
   </p:sldIdLst>
   <p:sldSz cx="12192000" cy="6858000"/>
   <p:notesSz cx="6858000" cy="9144000"/>
@@ -158,6 +160,12 @@
             <p14:sldId id="273"/>
           </p14:sldIdLst>
         </p14:section>
+        <p14:section name="Farmer Trials" id="{B2A601E8-856E-49A5-AC0D-9400500E329C}">
+          <p14:sldIdLst>
+            <p14:sldId id="274"/>
+            <p14:sldId id="275"/>
+          </p14:sldIdLst>
+        </p14:section>
       </p14:sectionLst>
     </p:ext>
     <p:ext uri="{EFAFB233-063F-42B5-8137-9DF3F51BA10A}">
@@ -316,7 +324,7 @@
           <a:p>
             <a:fld id="{644541E4-0029-43ED-8B8E-039FB63FC34F}" type="datetimeFigureOut">
               <a:rPr lang="en-GB" smtClean="0"/>
-              <a:t>21/11/2018</a:t>
+              <a:t>22/11/2018</a:t>
             </a:fld>
             <a:endParaRPr lang="en-GB"/>
           </a:p>
@@ -516,7 +524,7 @@
           <a:p>
             <a:fld id="{644541E4-0029-43ED-8B8E-039FB63FC34F}" type="datetimeFigureOut">
               <a:rPr lang="en-GB" smtClean="0"/>
-              <a:t>21/11/2018</a:t>
+              <a:t>22/11/2018</a:t>
             </a:fld>
             <a:endParaRPr lang="en-GB"/>
           </a:p>
@@ -726,7 +734,7 @@
           <a:p>
             <a:fld id="{644541E4-0029-43ED-8B8E-039FB63FC34F}" type="datetimeFigureOut">
               <a:rPr lang="en-GB" smtClean="0"/>
-              <a:t>21/11/2018</a:t>
+              <a:t>22/11/2018</a:t>
             </a:fld>
             <a:endParaRPr lang="en-GB"/>
           </a:p>
@@ -926,7 +934,7 @@
           <a:p>
             <a:fld id="{644541E4-0029-43ED-8B8E-039FB63FC34F}" type="datetimeFigureOut">
               <a:rPr lang="en-GB" smtClean="0"/>
-              <a:t>21/11/2018</a:t>
+              <a:t>22/11/2018</a:t>
             </a:fld>
             <a:endParaRPr lang="en-GB"/>
           </a:p>
@@ -1202,7 +1210,7 @@
           <a:p>
             <a:fld id="{644541E4-0029-43ED-8B8E-039FB63FC34F}" type="datetimeFigureOut">
               <a:rPr lang="en-GB" smtClean="0"/>
-              <a:t>21/11/2018</a:t>
+              <a:t>22/11/2018</a:t>
             </a:fld>
             <a:endParaRPr lang="en-GB"/>
           </a:p>
@@ -1470,7 +1478,7 @@
           <a:p>
             <a:fld id="{644541E4-0029-43ED-8B8E-039FB63FC34F}" type="datetimeFigureOut">
               <a:rPr lang="en-GB" smtClean="0"/>
-              <a:t>21/11/2018</a:t>
+              <a:t>22/11/2018</a:t>
             </a:fld>
             <a:endParaRPr lang="en-GB"/>
           </a:p>
@@ -1885,7 +1893,7 @@
           <a:p>
             <a:fld id="{644541E4-0029-43ED-8B8E-039FB63FC34F}" type="datetimeFigureOut">
               <a:rPr lang="en-GB" smtClean="0"/>
-              <a:t>21/11/2018</a:t>
+              <a:t>22/11/2018</a:t>
             </a:fld>
             <a:endParaRPr lang="en-GB"/>
           </a:p>
@@ -2027,7 +2035,7 @@
           <a:p>
             <a:fld id="{644541E4-0029-43ED-8B8E-039FB63FC34F}" type="datetimeFigureOut">
               <a:rPr lang="en-GB" smtClean="0"/>
-              <a:t>21/11/2018</a:t>
+              <a:t>22/11/2018</a:t>
             </a:fld>
             <a:endParaRPr lang="en-GB"/>
           </a:p>
@@ -2140,7 +2148,7 @@
           <a:p>
             <a:fld id="{644541E4-0029-43ED-8B8E-039FB63FC34F}" type="datetimeFigureOut">
               <a:rPr lang="en-GB" smtClean="0"/>
-              <a:t>21/11/2018</a:t>
+              <a:t>22/11/2018</a:t>
             </a:fld>
             <a:endParaRPr lang="en-GB"/>
           </a:p>
@@ -2453,7 +2461,7 @@
           <a:p>
             <a:fld id="{644541E4-0029-43ED-8B8E-039FB63FC34F}" type="datetimeFigureOut">
               <a:rPr lang="en-GB" smtClean="0"/>
-              <a:t>21/11/2018</a:t>
+              <a:t>22/11/2018</a:t>
             </a:fld>
             <a:endParaRPr lang="en-GB"/>
           </a:p>
@@ -2742,7 +2750,7 @@
           <a:p>
             <a:fld id="{644541E4-0029-43ED-8B8E-039FB63FC34F}" type="datetimeFigureOut">
               <a:rPr lang="en-GB" smtClean="0"/>
-              <a:t>21/11/2018</a:t>
+              <a:t>22/11/2018</a:t>
             </a:fld>
             <a:endParaRPr lang="en-GB"/>
           </a:p>
@@ -2985,7 +2993,7 @@
           <a:p>
             <a:fld id="{644541E4-0029-43ED-8B8E-039FB63FC34F}" type="datetimeFigureOut">
               <a:rPr lang="en-GB" smtClean="0"/>
-              <a:t>21/11/2018</a:t>
+              <a:t>22/11/2018</a:t>
             </a:fld>
             <a:endParaRPr lang="en-GB"/>
           </a:p>
@@ -5506,36 +5514,6 @@
           </a:p>
         </p:txBody>
       </p:sp>
-      <p:pic>
-        <p:nvPicPr>
-          <p:cNvPr id="5" name="Picture 4">
-            <a:extLst>
-              <a:ext uri="{FF2B5EF4-FFF2-40B4-BE49-F238E27FC236}">
-                <a16:creationId xmlns:a16="http://schemas.microsoft.com/office/drawing/2014/main" id="{BF014134-CCEE-4214-8652-EAF599974509}"/>
-              </a:ext>
-            </a:extLst>
-          </p:cNvPr>
-          <p:cNvPicPr>
-            <a:picLocks noChangeAspect="1"/>
-          </p:cNvPicPr>
-          <p:nvPr/>
-        </p:nvPicPr>
-        <p:blipFill>
-          <a:blip r:embed="rId3"/>
-          <a:stretch>
-            <a:fillRect/>
-          </a:stretch>
-        </p:blipFill>
-        <p:spPr>
-          <a:xfrm>
-            <a:off x="152400" y="280416"/>
-            <a:ext cx="12192000" cy="6601968"/>
-          </a:xfrm>
-          <a:prstGeom prst="rect">
-            <a:avLst/>
-          </a:prstGeom>
-        </p:spPr>
-      </p:pic>
     </p:spTree>
     <p:extLst>
       <p:ext uri="{BB962C8B-B14F-4D97-AF65-F5344CB8AC3E}">
@@ -5892,6 +5870,316 @@
 </p:sld>
 </file>
 
+<file path=ppt/slides/slide19.xml><?xml version="1.0" encoding="utf-8"?>
+<p:sld xmlns:a="http://schemas.openxmlformats.org/drawingml/2006/main" xmlns:r="http://schemas.openxmlformats.org/officeDocument/2006/relationships" xmlns:p="http://schemas.openxmlformats.org/presentationml/2006/main">
+  <p:cSld>
+    <p:spTree>
+      <p:nvGrpSpPr>
+        <p:cNvPr id="1" name=""/>
+        <p:cNvGrpSpPr/>
+        <p:nvPr/>
+      </p:nvGrpSpPr>
+      <p:grpSpPr>
+        <a:xfrm>
+          <a:off x="0" y="0"/>
+          <a:ext cx="0" cy="0"/>
+          <a:chOff x="0" y="0"/>
+          <a:chExt cx="0" cy="0"/>
+        </a:xfrm>
+      </p:grpSpPr>
+      <p:pic>
+        <p:nvPicPr>
+          <p:cNvPr id="2" name="Picture 1">
+            <a:extLst>
+              <a:ext uri="{FF2B5EF4-FFF2-40B4-BE49-F238E27FC236}">
+                <a16:creationId xmlns:a16="http://schemas.microsoft.com/office/drawing/2014/main" id="{86D32C3D-528C-4454-A1C6-5554059F94E0}"/>
+              </a:ext>
+            </a:extLst>
+          </p:cNvPr>
+          <p:cNvPicPr>
+            <a:picLocks noChangeAspect="1"/>
+          </p:cNvPicPr>
+          <p:nvPr/>
+        </p:nvPicPr>
+        <p:blipFill>
+          <a:blip r:embed="rId2"/>
+          <a:stretch>
+            <a:fillRect/>
+          </a:stretch>
+        </p:blipFill>
+        <p:spPr>
+          <a:xfrm>
+            <a:off x="201077" y="0"/>
+            <a:ext cx="9683954" cy="6858000"/>
+          </a:xfrm>
+          <a:prstGeom prst="rect">
+            <a:avLst/>
+          </a:prstGeom>
+        </p:spPr>
+      </p:pic>
+      <p:sp>
+        <p:nvSpPr>
+          <p:cNvPr id="3" name="TextBox 2">
+            <a:extLst>
+              <a:ext uri="{FF2B5EF4-FFF2-40B4-BE49-F238E27FC236}">
+                <a16:creationId xmlns:a16="http://schemas.microsoft.com/office/drawing/2014/main" id="{53574E1F-77F9-42BF-9932-D35E21F2D7ED}"/>
+              </a:ext>
+            </a:extLst>
+          </p:cNvPr>
+          <p:cNvSpPr txBox="1"/>
+          <p:nvPr/>
+        </p:nvSpPr>
+        <p:spPr>
+          <a:xfrm>
+            <a:off x="1774628" y="942271"/>
+            <a:ext cx="2142310" cy="903700"/>
+          </a:xfrm>
+          <a:prstGeom prst="rect">
+            <a:avLst/>
+          </a:prstGeom>
+          <a:solidFill>
+            <a:schemeClr val="tx1">
+              <a:alpha val="77000"/>
+            </a:schemeClr>
+          </a:solidFill>
+        </p:spPr>
+        <p:txBody>
+          <a:bodyPr wrap="square" lIns="36000" tIns="36000" rIns="36000" bIns="36000" rtlCol="0">
+            <a:spAutoFit/>
+          </a:bodyPr>
+          <a:lstStyle/>
+          <a:p>
+            <a:r>
+              <a:rPr lang="en-GB" dirty="0">
+                <a:solidFill>
+                  <a:schemeClr val="bg1"/>
+                </a:solidFill>
+              </a:rPr>
+              <a:t>Right-click on a table to see the options menu</a:t>
+            </a:r>
+            <a:endParaRPr lang="en-GB" dirty="0">
+              <a:solidFill>
+                <a:schemeClr val="accent4">
+                  <a:lumMod val="20000"/>
+                  <a:lumOff val="80000"/>
+                </a:schemeClr>
+              </a:solidFill>
+            </a:endParaRPr>
+          </a:p>
+        </p:txBody>
+      </p:sp>
+      <p:cxnSp>
+        <p:nvCxnSpPr>
+          <p:cNvPr id="4" name="Straight Arrow Connector 3">
+            <a:extLst>
+              <a:ext uri="{FF2B5EF4-FFF2-40B4-BE49-F238E27FC236}">
+                <a16:creationId xmlns:a16="http://schemas.microsoft.com/office/drawing/2014/main" id="{9311F577-6227-4DA2-86A2-3174A6311FC9}"/>
+              </a:ext>
+            </a:extLst>
+          </p:cNvPr>
+          <p:cNvCxnSpPr>
+            <a:cxnSpLocks/>
+          </p:cNvCxnSpPr>
+          <p:nvPr/>
+        </p:nvCxnSpPr>
+        <p:spPr>
+          <a:xfrm flipH="1">
+            <a:off x="1359442" y="1474611"/>
+            <a:ext cx="343949" cy="294262"/>
+          </a:xfrm>
+          <a:prstGeom prst="straightConnector1">
+            <a:avLst/>
+          </a:prstGeom>
+          <a:ln w="38100">
+            <a:solidFill>
+              <a:srgbClr val="C00000"/>
+            </a:solidFill>
+            <a:tailEnd type="triangle"/>
+          </a:ln>
+        </p:spPr>
+        <p:style>
+          <a:lnRef idx="1">
+            <a:schemeClr val="accent1"/>
+          </a:lnRef>
+          <a:fillRef idx="0">
+            <a:schemeClr val="accent1"/>
+          </a:fillRef>
+          <a:effectRef idx="0">
+            <a:schemeClr val="accent1"/>
+          </a:effectRef>
+          <a:fontRef idx="minor">
+            <a:schemeClr val="tx1"/>
+          </a:fontRef>
+        </p:style>
+      </p:cxnSp>
+      <p:sp>
+        <p:nvSpPr>
+          <p:cNvPr id="5" name="Rectangle: Rounded Corners 4">
+            <a:extLst>
+              <a:ext uri="{FF2B5EF4-FFF2-40B4-BE49-F238E27FC236}">
+                <a16:creationId xmlns:a16="http://schemas.microsoft.com/office/drawing/2014/main" id="{CACFFDAF-1860-4337-A623-BB5B3F32F9A6}"/>
+              </a:ext>
+            </a:extLst>
+          </p:cNvPr>
+          <p:cNvSpPr/>
+          <p:nvPr/>
+        </p:nvSpPr>
+        <p:spPr>
+          <a:xfrm>
+            <a:off x="809849" y="1845971"/>
+            <a:ext cx="822305" cy="258132"/>
+          </a:xfrm>
+          <a:prstGeom prst="roundRect">
+            <a:avLst/>
+          </a:prstGeom>
+          <a:noFill/>
+          <a:ln w="57150">
+            <a:solidFill>
+              <a:srgbClr val="C00000"/>
+            </a:solidFill>
+          </a:ln>
+        </p:spPr>
+        <p:style>
+          <a:lnRef idx="2">
+            <a:schemeClr val="accent1">
+              <a:shade val="50000"/>
+            </a:schemeClr>
+          </a:lnRef>
+          <a:fillRef idx="1">
+            <a:schemeClr val="accent1"/>
+          </a:fillRef>
+          <a:effectRef idx="0">
+            <a:schemeClr val="accent1"/>
+          </a:effectRef>
+          <a:fontRef idx="minor">
+            <a:schemeClr val="lt1"/>
+          </a:fontRef>
+        </p:style>
+        <p:txBody>
+          <a:bodyPr rtlCol="0" anchor="ctr"/>
+          <a:lstStyle/>
+          <a:p>
+            <a:pPr algn="ctr"/>
+            <a:endParaRPr lang="en-GB" dirty="0"/>
+          </a:p>
+        </p:txBody>
+      </p:sp>
+      <p:sp>
+        <p:nvSpPr>
+          <p:cNvPr id="6" name="TextBox 5">
+            <a:extLst>
+              <a:ext uri="{FF2B5EF4-FFF2-40B4-BE49-F238E27FC236}">
+                <a16:creationId xmlns:a16="http://schemas.microsoft.com/office/drawing/2014/main" id="{D092E157-EE4F-4A5E-A03A-12EA807FD908}"/>
+              </a:ext>
+            </a:extLst>
+          </p:cNvPr>
+          <p:cNvSpPr txBox="1"/>
+          <p:nvPr/>
+        </p:nvSpPr>
+        <p:spPr>
+          <a:xfrm>
+            <a:off x="5924438" y="3251884"/>
+            <a:ext cx="2142310" cy="626701"/>
+          </a:xfrm>
+          <a:prstGeom prst="rect">
+            <a:avLst/>
+          </a:prstGeom>
+          <a:solidFill>
+            <a:schemeClr val="tx1">
+              <a:alpha val="77000"/>
+            </a:schemeClr>
+          </a:solidFill>
+        </p:spPr>
+        <p:txBody>
+          <a:bodyPr wrap="square" lIns="36000" tIns="36000" rIns="36000" bIns="36000" rtlCol="0">
+            <a:spAutoFit/>
+          </a:bodyPr>
+          <a:lstStyle/>
+          <a:p>
+            <a:r>
+              <a:rPr lang="en-GB" dirty="0">
+                <a:solidFill>
+                  <a:schemeClr val="bg1"/>
+                </a:solidFill>
+              </a:rPr>
+              <a:t>We want to create a new copy of the table</a:t>
+            </a:r>
+            <a:endParaRPr lang="en-GB" dirty="0">
+              <a:solidFill>
+                <a:schemeClr val="accent4">
+                  <a:lumMod val="20000"/>
+                  <a:lumOff val="80000"/>
+                </a:schemeClr>
+              </a:solidFill>
+            </a:endParaRPr>
+          </a:p>
+        </p:txBody>
+      </p:sp>
+      <p:sp>
+        <p:nvSpPr>
+          <p:cNvPr id="7" name="Rectangle: Rounded Corners 6">
+            <a:extLst>
+              <a:ext uri="{FF2B5EF4-FFF2-40B4-BE49-F238E27FC236}">
+                <a16:creationId xmlns:a16="http://schemas.microsoft.com/office/drawing/2014/main" id="{D6B0D589-51A7-43F8-83AC-FB2F2447DF6B}"/>
+              </a:ext>
+            </a:extLst>
+          </p:cNvPr>
+          <p:cNvSpPr/>
+          <p:nvPr/>
+        </p:nvSpPr>
+        <p:spPr>
+          <a:xfrm>
+            <a:off x="4124627" y="3389745"/>
+            <a:ext cx="1564973" cy="350981"/>
+          </a:xfrm>
+          <a:prstGeom prst="roundRect">
+            <a:avLst/>
+          </a:prstGeom>
+          <a:noFill/>
+          <a:ln w="57150">
+            <a:solidFill>
+              <a:srgbClr val="C00000"/>
+            </a:solidFill>
+          </a:ln>
+        </p:spPr>
+        <p:style>
+          <a:lnRef idx="2">
+            <a:schemeClr val="accent1">
+              <a:shade val="50000"/>
+            </a:schemeClr>
+          </a:lnRef>
+          <a:fillRef idx="1">
+            <a:schemeClr val="accent1"/>
+          </a:fillRef>
+          <a:effectRef idx="0">
+            <a:schemeClr val="accent1"/>
+          </a:effectRef>
+          <a:fontRef idx="minor">
+            <a:schemeClr val="lt1"/>
+          </a:fontRef>
+        </p:style>
+        <p:txBody>
+          <a:bodyPr rtlCol="0" anchor="ctr"/>
+          <a:lstStyle/>
+          <a:p>
+            <a:pPr algn="ctr"/>
+            <a:endParaRPr lang="en-GB" dirty="0"/>
+          </a:p>
+        </p:txBody>
+      </p:sp>
+    </p:spTree>
+    <p:extLst>
+      <p:ext uri="{BB962C8B-B14F-4D97-AF65-F5344CB8AC3E}">
+        <p14:creationId xmlns:p14="http://schemas.microsoft.com/office/powerpoint/2010/main" val="3562576521"/>
+      </p:ext>
+    </p:extLst>
+  </p:cSld>
+  <p:clrMapOvr>
+    <a:masterClrMapping/>
+  </p:clrMapOvr>
+</p:sld>
+</file>
+
 <file path=ppt/slides/slide2.xml><?xml version="1.0" encoding="utf-8"?>
 <p:sld xmlns:a="http://schemas.openxmlformats.org/drawingml/2006/main" xmlns:r="http://schemas.openxmlformats.org/officeDocument/2006/relationships" xmlns:p="http://schemas.openxmlformats.org/presentationml/2006/main">
   <p:cSld>
@@ -6060,6 +6348,213 @@
     <p:extLst>
       <p:ext uri="{BB962C8B-B14F-4D97-AF65-F5344CB8AC3E}">
         <p14:creationId xmlns:p14="http://schemas.microsoft.com/office/powerpoint/2010/main" val="2197854278"/>
+      </p:ext>
+    </p:extLst>
+  </p:cSld>
+  <p:clrMapOvr>
+    <a:masterClrMapping/>
+  </p:clrMapOvr>
+</p:sld>
+</file>
+
+<file path=ppt/slides/slide20.xml><?xml version="1.0" encoding="utf-8"?>
+<p:sld xmlns:a="http://schemas.openxmlformats.org/drawingml/2006/main" xmlns:r="http://schemas.openxmlformats.org/officeDocument/2006/relationships" xmlns:p="http://schemas.openxmlformats.org/presentationml/2006/main">
+  <p:cSld>
+    <p:spTree>
+      <p:nvGrpSpPr>
+        <p:cNvPr id="1" name=""/>
+        <p:cNvGrpSpPr/>
+        <p:nvPr/>
+      </p:nvGrpSpPr>
+      <p:grpSpPr>
+        <a:xfrm>
+          <a:off x="0" y="0"/>
+          <a:ext cx="0" cy="0"/>
+          <a:chOff x="0" y="0"/>
+          <a:chExt cx="0" cy="0"/>
+        </a:xfrm>
+      </p:grpSpPr>
+      <p:pic>
+        <p:nvPicPr>
+          <p:cNvPr id="2" name="Picture 1">
+            <a:extLst>
+              <a:ext uri="{FF2B5EF4-FFF2-40B4-BE49-F238E27FC236}">
+                <a16:creationId xmlns:a16="http://schemas.microsoft.com/office/drawing/2014/main" id="{83711946-495F-42DF-B124-27CC35A43176}"/>
+              </a:ext>
+            </a:extLst>
+          </p:cNvPr>
+          <p:cNvPicPr>
+            <a:picLocks noChangeAspect="1"/>
+          </p:cNvPicPr>
+          <p:nvPr/>
+        </p:nvPicPr>
+        <p:blipFill>
+          <a:blip r:embed="rId2"/>
+          <a:stretch>
+            <a:fillRect/>
+          </a:stretch>
+        </p:blipFill>
+        <p:spPr>
+          <a:xfrm>
+            <a:off x="129857" y="167640"/>
+            <a:ext cx="4352925" cy="3962400"/>
+          </a:xfrm>
+          <a:prstGeom prst="rect">
+            <a:avLst/>
+          </a:prstGeom>
+        </p:spPr>
+      </p:pic>
+      <p:sp>
+        <p:nvSpPr>
+          <p:cNvPr id="3" name="TextBox 2">
+            <a:extLst>
+              <a:ext uri="{FF2B5EF4-FFF2-40B4-BE49-F238E27FC236}">
+                <a16:creationId xmlns:a16="http://schemas.microsoft.com/office/drawing/2014/main" id="{3DEF4DB9-DBD9-4751-8432-1EC4DE9B96EA}"/>
+              </a:ext>
+            </a:extLst>
+          </p:cNvPr>
+          <p:cNvSpPr txBox="1"/>
+          <p:nvPr/>
+        </p:nvSpPr>
+        <p:spPr>
+          <a:xfrm>
+            <a:off x="1325154" y="1581830"/>
+            <a:ext cx="2499360" cy="903700"/>
+          </a:xfrm>
+          <a:prstGeom prst="rect">
+            <a:avLst/>
+          </a:prstGeom>
+          <a:solidFill>
+            <a:schemeClr val="tx1">
+              <a:alpha val="77000"/>
+            </a:schemeClr>
+          </a:solidFill>
+        </p:spPr>
+        <p:txBody>
+          <a:bodyPr wrap="square" lIns="36000" tIns="36000" rIns="36000" bIns="36000" rtlCol="0">
+            <a:spAutoFit/>
+          </a:bodyPr>
+          <a:lstStyle/>
+          <a:p>
+            <a:r>
+              <a:rPr lang="en-GB" dirty="0">
+                <a:solidFill>
+                  <a:schemeClr val="bg1"/>
+                </a:solidFill>
+              </a:rPr>
+              <a:t>We have change the name to end ‘_raw’ to make it easy to recognise</a:t>
+            </a:r>
+            <a:endParaRPr lang="en-GB" dirty="0">
+              <a:solidFill>
+                <a:schemeClr val="accent4">
+                  <a:lumMod val="20000"/>
+                  <a:lumOff val="80000"/>
+                </a:schemeClr>
+              </a:solidFill>
+            </a:endParaRPr>
+          </a:p>
+        </p:txBody>
+      </p:sp>
+      <p:cxnSp>
+        <p:nvCxnSpPr>
+          <p:cNvPr id="4" name="Straight Arrow Connector 3">
+            <a:extLst>
+              <a:ext uri="{FF2B5EF4-FFF2-40B4-BE49-F238E27FC236}">
+                <a16:creationId xmlns:a16="http://schemas.microsoft.com/office/drawing/2014/main" id="{7ED6A8E7-9004-4DD2-8B4B-6CD76E9CED4E}"/>
+              </a:ext>
+            </a:extLst>
+          </p:cNvPr>
+          <p:cNvCxnSpPr>
+            <a:cxnSpLocks/>
+          </p:cNvCxnSpPr>
+          <p:nvPr/>
+        </p:nvCxnSpPr>
+        <p:spPr>
+          <a:xfrm flipV="1">
+            <a:off x="2445072" y="1232168"/>
+            <a:ext cx="129762" cy="349662"/>
+          </a:xfrm>
+          <a:prstGeom prst="straightConnector1">
+            <a:avLst/>
+          </a:prstGeom>
+          <a:ln w="38100">
+            <a:solidFill>
+              <a:srgbClr val="C00000"/>
+            </a:solidFill>
+            <a:tailEnd type="triangle"/>
+          </a:ln>
+        </p:spPr>
+        <p:style>
+          <a:lnRef idx="1">
+            <a:schemeClr val="accent1"/>
+          </a:lnRef>
+          <a:fillRef idx="0">
+            <a:schemeClr val="accent1"/>
+          </a:fillRef>
+          <a:effectRef idx="0">
+            <a:schemeClr val="accent1"/>
+          </a:effectRef>
+          <a:fontRef idx="minor">
+            <a:schemeClr val="tx1"/>
+          </a:fontRef>
+        </p:style>
+      </p:cxnSp>
+      <p:sp>
+        <p:nvSpPr>
+          <p:cNvPr id="5" name="Rectangle: Rounded Corners 4">
+            <a:extLst>
+              <a:ext uri="{FF2B5EF4-FFF2-40B4-BE49-F238E27FC236}">
+                <a16:creationId xmlns:a16="http://schemas.microsoft.com/office/drawing/2014/main" id="{C482C216-05B8-48F6-AC81-8B542EAF728B}"/>
+              </a:ext>
+            </a:extLst>
+          </p:cNvPr>
+          <p:cNvSpPr/>
+          <p:nvPr/>
+        </p:nvSpPr>
+        <p:spPr>
+          <a:xfrm>
+            <a:off x="2306319" y="711200"/>
+            <a:ext cx="2142310" cy="467359"/>
+          </a:xfrm>
+          <a:prstGeom prst="roundRect">
+            <a:avLst/>
+          </a:prstGeom>
+          <a:noFill/>
+          <a:ln w="57150">
+            <a:solidFill>
+              <a:srgbClr val="C00000"/>
+            </a:solidFill>
+          </a:ln>
+        </p:spPr>
+        <p:style>
+          <a:lnRef idx="2">
+            <a:schemeClr val="accent1">
+              <a:shade val="50000"/>
+            </a:schemeClr>
+          </a:lnRef>
+          <a:fillRef idx="1">
+            <a:schemeClr val="accent1"/>
+          </a:fillRef>
+          <a:effectRef idx="0">
+            <a:schemeClr val="accent1"/>
+          </a:effectRef>
+          <a:fontRef idx="minor">
+            <a:schemeClr val="lt1"/>
+          </a:fontRef>
+        </p:style>
+        <p:txBody>
+          <a:bodyPr rtlCol="0" anchor="ctr"/>
+          <a:lstStyle/>
+          <a:p>
+            <a:pPr algn="ctr"/>
+            <a:endParaRPr lang="en-GB" dirty="0"/>
+          </a:p>
+        </p:txBody>
+      </p:sp>
+    </p:spTree>
+    <p:extLst>
+      <p:ext uri="{BB962C8B-B14F-4D97-AF65-F5344CB8AC3E}">
+        <p14:creationId xmlns:p14="http://schemas.microsoft.com/office/powerpoint/2010/main" val="3909817439"/>
       </p:ext>
     </p:extLst>
   </p:cSld>
